--- a/docs/lyr_format.pptx
+++ b/docs/lyr_format.pptx
@@ -241,7 +241,7 @@
           <a:p>
             <a:fld id="{6CC5352D-349F-485B-9CFD-C06486738278}" type="datetimeFigureOut">
               <a:rPr lang="en-US" smtClean="0"/>
-              <a:t>10/16/2020</a:t>
+              <a:t>11/11/2020</a:t>
             </a:fld>
             <a:endParaRPr lang="en-US"/>
           </a:p>
@@ -409,7 +409,7 @@
           <a:p>
             <a:fld id="{6CC5352D-349F-485B-9CFD-C06486738278}" type="datetimeFigureOut">
               <a:rPr lang="en-US" smtClean="0"/>
-              <a:t>10/16/2020</a:t>
+              <a:t>11/11/2020</a:t>
             </a:fld>
             <a:endParaRPr lang="en-US"/>
           </a:p>
@@ -587,7 +587,7 @@
           <a:p>
             <a:fld id="{6CC5352D-349F-485B-9CFD-C06486738278}" type="datetimeFigureOut">
               <a:rPr lang="en-US" smtClean="0"/>
-              <a:t>10/16/2020</a:t>
+              <a:t>11/11/2020</a:t>
             </a:fld>
             <a:endParaRPr lang="en-US"/>
           </a:p>
@@ -755,7 +755,7 @@
           <a:p>
             <a:fld id="{6CC5352D-349F-485B-9CFD-C06486738278}" type="datetimeFigureOut">
               <a:rPr lang="en-US" smtClean="0"/>
-              <a:t>10/16/2020</a:t>
+              <a:t>11/11/2020</a:t>
             </a:fld>
             <a:endParaRPr lang="en-US"/>
           </a:p>
@@ -1000,7 +1000,7 @@
           <a:p>
             <a:fld id="{6CC5352D-349F-485B-9CFD-C06486738278}" type="datetimeFigureOut">
               <a:rPr lang="en-US" smtClean="0"/>
-              <a:t>10/16/2020</a:t>
+              <a:t>11/11/2020</a:t>
             </a:fld>
             <a:endParaRPr lang="en-US"/>
           </a:p>
@@ -1229,7 +1229,7 @@
           <a:p>
             <a:fld id="{6CC5352D-349F-485B-9CFD-C06486738278}" type="datetimeFigureOut">
               <a:rPr lang="en-US" smtClean="0"/>
-              <a:t>10/16/2020</a:t>
+              <a:t>11/11/2020</a:t>
             </a:fld>
             <a:endParaRPr lang="en-US"/>
           </a:p>
@@ -1593,7 +1593,7 @@
           <a:p>
             <a:fld id="{6CC5352D-349F-485B-9CFD-C06486738278}" type="datetimeFigureOut">
               <a:rPr lang="en-US" smtClean="0"/>
-              <a:t>10/16/2020</a:t>
+              <a:t>11/11/2020</a:t>
             </a:fld>
             <a:endParaRPr lang="en-US"/>
           </a:p>
@@ -1710,7 +1710,7 @@
           <a:p>
             <a:fld id="{6CC5352D-349F-485B-9CFD-C06486738278}" type="datetimeFigureOut">
               <a:rPr lang="en-US" smtClean="0"/>
-              <a:t>10/16/2020</a:t>
+              <a:t>11/11/2020</a:t>
             </a:fld>
             <a:endParaRPr lang="en-US"/>
           </a:p>
@@ -1805,7 +1805,7 @@
           <a:p>
             <a:fld id="{6CC5352D-349F-485B-9CFD-C06486738278}" type="datetimeFigureOut">
               <a:rPr lang="en-US" smtClean="0"/>
-              <a:t>10/16/2020</a:t>
+              <a:t>11/11/2020</a:t>
             </a:fld>
             <a:endParaRPr lang="en-US"/>
           </a:p>
@@ -2080,7 +2080,7 @@
           <a:p>
             <a:fld id="{6CC5352D-349F-485B-9CFD-C06486738278}" type="datetimeFigureOut">
               <a:rPr lang="en-US" smtClean="0"/>
-              <a:t>10/16/2020</a:t>
+              <a:t>11/11/2020</a:t>
             </a:fld>
             <a:endParaRPr lang="en-US"/>
           </a:p>
@@ -2332,7 +2332,7 @@
           <a:p>
             <a:fld id="{6CC5352D-349F-485B-9CFD-C06486738278}" type="datetimeFigureOut">
               <a:rPr lang="en-US" smtClean="0"/>
-              <a:t>10/16/2020</a:t>
+              <a:t>11/11/2020</a:t>
             </a:fld>
             <a:endParaRPr lang="en-US"/>
           </a:p>
@@ -2543,7 +2543,7 @@
           <a:p>
             <a:fld id="{6CC5352D-349F-485B-9CFD-C06486738278}" type="datetimeFigureOut">
               <a:rPr lang="en-US" smtClean="0"/>
-              <a:t>10/16/2020</a:t>
+              <a:t>11/11/2020</a:t>
             </a:fld>
             <a:endParaRPr lang="en-US"/>
           </a:p>
@@ -2956,7 +2956,7 @@
         </p:nvSpPr>
         <p:spPr>
           <a:xfrm>
-            <a:off x="3454544" y="165438"/>
+            <a:off x="4075771" y="454812"/>
             <a:ext cx="2899061" cy="6339840"/>
           </a:xfrm>
           <a:prstGeom prst="roundRect">
@@ -3008,7 +3008,7 @@
         </p:nvSpPr>
         <p:spPr>
           <a:xfrm>
-            <a:off x="7211060" y="87086"/>
+            <a:off x="7686921" y="376460"/>
             <a:ext cx="3365500" cy="6339840"/>
           </a:xfrm>
           <a:prstGeom prst="roundRect">
@@ -3060,7 +3060,7 @@
         </p:nvSpPr>
         <p:spPr>
           <a:xfrm>
-            <a:off x="928806" y="534771"/>
+            <a:off x="1936872" y="830495"/>
             <a:ext cx="1337360" cy="1736152"/>
           </a:xfrm>
           <a:prstGeom prst="rect">
@@ -3120,7 +3120,7 @@
         </p:nvSpPr>
         <p:spPr>
           <a:xfrm>
-            <a:off x="928806" y="2270923"/>
+            <a:off x="1936872" y="2566647"/>
             <a:ext cx="1337359" cy="3770389"/>
           </a:xfrm>
           <a:prstGeom prst="rect">
@@ -3167,51 +3167,8 @@
                   <a:schemeClr val="tx1"/>
                 </a:solidFill>
               </a:rPr>
-              <a:t>planewaves</a:t>
-            </a:r>
-          </a:p>
-        </p:txBody>
-      </p:sp>
-      <p:sp>
-        <p:nvSpPr>
-          <p:cNvPr id="6" name="Left Brace 5"/>
-          <p:cNvSpPr/>
-          <p:nvPr/>
-        </p:nvSpPr>
-        <p:spPr>
-          <a:xfrm>
-            <a:off x="533224" y="534771"/>
-            <a:ext cx="395582" cy="1736152"/>
-          </a:xfrm>
-          <a:prstGeom prst="leftBrace">
-            <a:avLst/>
-          </a:prstGeom>
-          <a:ln w="12700">
-            <a:solidFill>
-              <a:schemeClr val="tx1"/>
-            </a:solidFill>
-          </a:ln>
-        </p:spPr>
-        <p:style>
-          <a:lnRef idx="1">
-            <a:schemeClr val="accent1"/>
-          </a:lnRef>
-          <a:fillRef idx="0">
-            <a:schemeClr val="accent1"/>
-          </a:fillRef>
-          <a:effectRef idx="0">
-            <a:schemeClr val="accent1"/>
-          </a:effectRef>
-          <a:fontRef idx="minor">
-            <a:schemeClr val="tx1"/>
-          </a:fontRef>
-        </p:style>
-        <p:txBody>
-          <a:bodyPr rtlCol="0" anchor="ctr"/>
-          <a:lstStyle/>
-          <a:p>
-            <a:pPr algn="ctr"/>
-            <a:endParaRPr lang="en-US"/>
+              <a:t>LAYERS</a:t>
+            </a:r>
           </a:p>
         </p:txBody>
       </p:sp>
@@ -3223,8 +3180,8 @@
         </p:nvSpPr>
         <p:spPr>
           <a:xfrm>
-            <a:off x="-120693" y="1084442"/>
-            <a:ext cx="853159" cy="646331"/>
+            <a:off x="2124685" y="1880430"/>
+            <a:ext cx="853159" cy="523220"/>
           </a:xfrm>
           <a:prstGeom prst="rect">
             <a:avLst/>
@@ -3239,129 +3196,232 @@
           <a:p>
             <a:pPr algn="ctr"/>
             <a:r>
-              <a:rPr lang="en-US" dirty="0"/>
-              <a:t>80</a:t>
+              <a:rPr lang="en-US" sz="1400" dirty="0"/>
+              <a:t>5*8</a:t>
             </a:r>
           </a:p>
           <a:p>
             <a:pPr algn="ctr"/>
             <a:r>
-              <a:rPr lang="en-US" dirty="0"/>
+              <a:rPr lang="en-US" sz="1400" dirty="0"/>
               <a:t>bytes</a:t>
             </a:r>
           </a:p>
         </p:txBody>
       </p:sp>
-      <p:sp>
-        <p:nvSpPr>
-          <p:cNvPr id="8" name="Left Brace 7"/>
-          <p:cNvSpPr/>
-          <p:nvPr/>
-        </p:nvSpPr>
-        <p:spPr>
-          <a:xfrm>
-            <a:off x="533224" y="2270923"/>
-            <a:ext cx="395582" cy="3770390"/>
-          </a:xfrm>
-          <a:prstGeom prst="leftBrace">
-            <a:avLst/>
-          </a:prstGeom>
-          <a:ln w="12700">
-            <a:solidFill>
-              <a:schemeClr val="tx1"/>
-            </a:solidFill>
-          </a:ln>
-        </p:spPr>
-        <p:style>
-          <a:lnRef idx="1">
-            <a:schemeClr val="accent1"/>
-          </a:lnRef>
-          <a:fillRef idx="0">
-            <a:schemeClr val="accent1"/>
-          </a:fillRef>
-          <a:effectRef idx="0">
-            <a:schemeClr val="accent1"/>
-          </a:effectRef>
-          <a:fontRef idx="minor">
-            <a:schemeClr val="tx1"/>
-          </a:fontRef>
-        </p:style>
-        <p:txBody>
-          <a:bodyPr rtlCol="0" anchor="ctr"/>
-          <a:lstStyle/>
-          <a:p>
-            <a:pPr algn="ctr"/>
-            <a:endParaRPr lang="en-US"/>
-          </a:p>
-        </p:txBody>
-      </p:sp>
-      <p:sp>
-        <p:nvSpPr>
-          <p:cNvPr id="9" name="TextBox 8"/>
-          <p:cNvSpPr txBox="1"/>
-          <p:nvPr/>
-        </p:nvSpPr>
-        <p:spPr>
-          <a:xfrm>
-            <a:off x="-147592" y="3837712"/>
-            <a:ext cx="919646" cy="646331"/>
-          </a:xfrm>
-          <a:prstGeom prst="rect">
-            <a:avLst/>
-          </a:prstGeom>
-          <a:noFill/>
-        </p:spPr>
-        <p:txBody>
-          <a:bodyPr wrap="square" rtlCol="0">
-            <a:spAutoFit/>
-          </a:bodyPr>
-          <a:lstStyle/>
-          <a:p>
-            <a:pPr algn="ctr"/>
-            <a:r>
-              <a:rPr lang="en-US" dirty="0"/>
-              <a:t>N - 80</a:t>
-            </a:r>
-          </a:p>
-          <a:p>
-            <a:pPr algn="ctr"/>
-            <a:r>
-              <a:rPr lang="en-US" dirty="0"/>
-              <a:t>bytes</a:t>
-            </a:r>
-          </a:p>
-        </p:txBody>
-      </p:sp>
-      <p:sp>
-        <p:nvSpPr>
-          <p:cNvPr id="10" name="TextBox 9"/>
-          <p:cNvSpPr txBox="1"/>
-          <p:nvPr/>
-        </p:nvSpPr>
-        <p:spPr>
-          <a:xfrm>
-            <a:off x="647961" y="165438"/>
-            <a:ext cx="1774332" cy="369332"/>
-          </a:xfrm>
-          <a:prstGeom prst="rect">
-            <a:avLst/>
-          </a:prstGeom>
-          <a:noFill/>
-        </p:spPr>
-        <p:txBody>
-          <a:bodyPr wrap="none" rtlCol="0">
-            <a:spAutoFit/>
-          </a:bodyPr>
-          <a:lstStyle/>
-          <a:p>
-            <a:pPr algn="ctr"/>
-            <a:r>
-              <a:rPr lang="en-US" dirty="0"/>
-              <a:t>LYR file = N bytes</a:t>
-            </a:r>
-          </a:p>
-        </p:txBody>
-      </p:sp>
+      <mc:AlternateContent xmlns:mc="http://schemas.openxmlformats.org/markup-compatibility/2006" xmlns:a14="http://schemas.microsoft.com/office/drawing/2010/main">
+        <mc:Choice Requires="a14">
+          <p:sp>
+            <p:nvSpPr>
+              <p:cNvPr id="9" name="TextBox 8"/>
+              <p:cNvSpPr txBox="1"/>
+              <p:nvPr/>
+            </p:nvSpPr>
+            <p:spPr>
+              <a:xfrm>
+                <a:off x="2176901" y="5079470"/>
+                <a:ext cx="919646" cy="523220"/>
+              </a:xfrm>
+              <a:prstGeom prst="rect">
+                <a:avLst/>
+              </a:prstGeom>
+              <a:noFill/>
+            </p:spPr>
+            <p:txBody>
+              <a:bodyPr wrap="square" rtlCol="0">
+                <a:spAutoFit/>
+              </a:bodyPr>
+              <a:lstStyle/>
+              <a:p>
+                <a:pPr algn="ctr"/>
+                <a14:m>
+                  <m:oMathPara xmlns:m="http://schemas.openxmlformats.org/officeDocument/2006/math">
+                    <m:oMathParaPr>
+                      <m:jc m:val="centerGroup"/>
+                    </m:oMathParaPr>
+                    <m:oMath xmlns:m="http://schemas.openxmlformats.org/officeDocument/2006/math">
+                      <m:r>
+                        <a:rPr lang="en-US" sz="1400" i="1" dirty="0" smtClean="0">
+                          <a:latin typeface="Cambria Math" panose="02040503050406030204" pitchFamily="18" charset="0"/>
+                        </a:rPr>
+                        <m:t>1</m:t>
+                      </m:r>
+                      <m:r>
+                        <a:rPr lang="en-US" sz="1400" b="0" i="1" dirty="0" smtClean="0">
+                          <a:latin typeface="Cambria Math" panose="02040503050406030204" pitchFamily="18" charset="0"/>
+                        </a:rPr>
+                        <m:t>5</m:t>
+                      </m:r>
+                      <m:r>
+                        <a:rPr lang="en-US" sz="1400" i="1" dirty="0" smtClean="0">
+                          <a:latin typeface="Cambria Math" panose="02040503050406030204" pitchFamily="18" charset="0"/>
+                        </a:rPr>
+                        <m:t>𝐿𝐴𝑌𝐸𝑅𝑆</m:t>
+                      </m:r>
+                    </m:oMath>
+                  </m:oMathPara>
+                </a14:m>
+                <a:endParaRPr lang="en-US" sz="1400" dirty="0"/>
+              </a:p>
+              <a:p>
+                <a:pPr algn="ctr"/>
+                <a:r>
+                  <a:rPr lang="en-US" sz="1400" dirty="0"/>
+                  <a:t>*8bytes</a:t>
+                </a:r>
+              </a:p>
+            </p:txBody>
+          </p:sp>
+        </mc:Choice>
+        <mc:Fallback xmlns="">
+          <p:sp>
+            <p:nvSpPr>
+              <p:cNvPr id="9" name="TextBox 8"/>
+              <p:cNvSpPr txBox="1">
+                <a:spLocks noRot="1" noChangeAspect="1" noMove="1" noResize="1" noEditPoints="1" noAdjustHandles="1" noChangeArrowheads="1" noChangeShapeType="1" noTextEdit="1"/>
+              </p:cNvSpPr>
+              <p:nvPr/>
+            </p:nvSpPr>
+            <p:spPr>
+              <a:xfrm>
+                <a:off x="2176901" y="5079470"/>
+                <a:ext cx="919646" cy="523220"/>
+              </a:xfrm>
+              <a:prstGeom prst="rect">
+                <a:avLst/>
+              </a:prstGeom>
+              <a:blipFill>
+                <a:blip r:embed="rId2"/>
+                <a:stretch>
+                  <a:fillRect l="-3974" b="-11628"/>
+                </a:stretch>
+              </a:blipFill>
+            </p:spPr>
+            <p:txBody>
+              <a:bodyPr/>
+              <a:lstStyle/>
+              <a:p>
+                <a:r>
+                  <a:rPr lang="en-US">
+                    <a:noFill/>
+                  </a:rPr>
+                  <a:t> </a:t>
+                </a:r>
+              </a:p>
+            </p:txBody>
+          </p:sp>
+        </mc:Fallback>
+      </mc:AlternateContent>
+      <mc:AlternateContent xmlns:mc="http://schemas.openxmlformats.org/markup-compatibility/2006" xmlns:a14="http://schemas.microsoft.com/office/drawing/2010/main">
+        <mc:Choice Requires="a14">
+          <p:sp>
+            <p:nvSpPr>
+              <p:cNvPr id="10" name="TextBox 9"/>
+              <p:cNvSpPr txBox="1"/>
+              <p:nvPr/>
+            </p:nvSpPr>
+            <p:spPr>
+              <a:xfrm>
+                <a:off x="273398" y="214024"/>
+                <a:ext cx="3535713" cy="369332"/>
+              </a:xfrm>
+              <a:prstGeom prst="rect">
+                <a:avLst/>
+              </a:prstGeom>
+              <a:noFill/>
+            </p:spPr>
+            <p:txBody>
+              <a:bodyPr wrap="none" rtlCol="0">
+                <a:spAutoFit/>
+              </a:bodyPr>
+              <a:lstStyle/>
+              <a:p>
+                <a:pPr algn="r"/>
+                <a:r>
+                  <a:rPr lang="en-US" dirty="0"/>
+                  <a:t>LYR file = </a:t>
+                </a:r>
+                <a14:m>
+                  <m:oMath xmlns:m="http://schemas.openxmlformats.org/officeDocument/2006/math">
+                    <m:r>
+                      <a:rPr lang="en-US" b="0" i="0" dirty="0" smtClean="0">
+                        <a:latin typeface="Cambria Math" panose="02040503050406030204" pitchFamily="18" charset="0"/>
+                      </a:rPr>
+                      <m:t>(</m:t>
+                    </m:r>
+                    <m:r>
+                      <a:rPr lang="en-US" i="1" dirty="0" smtClean="0">
+                        <a:latin typeface="Cambria Math" panose="02040503050406030204" pitchFamily="18" charset="0"/>
+                      </a:rPr>
+                      <m:t>15</m:t>
+                    </m:r>
+                    <m:r>
+                      <a:rPr lang="en-US" i="1" dirty="0" smtClean="0">
+                        <a:latin typeface="Cambria Math" panose="02040503050406030204" pitchFamily="18" charset="0"/>
+                      </a:rPr>
+                      <m:t>𝐿𝐴𝑌𝐸𝑅</m:t>
+                    </m:r>
+                    <m:r>
+                      <a:rPr lang="en-US" b="0" i="1" dirty="0" smtClean="0">
+                        <a:latin typeface="Cambria Math" panose="02040503050406030204" pitchFamily="18" charset="0"/>
+                      </a:rPr>
+                      <m:t>𝑆</m:t>
+                    </m:r>
+                    <m:r>
+                      <a:rPr lang="en-US" b="0" i="1" dirty="0" smtClean="0">
+                        <a:latin typeface="Cambria Math" panose="02040503050406030204" pitchFamily="18" charset="0"/>
+                      </a:rPr>
+                      <m:t>+5) </m:t>
+                    </m:r>
+                  </m:oMath>
+                </a14:m>
+                <a:r>
+                  <a:rPr lang="en-US" dirty="0"/>
+                  <a:t>*8bytes</a:t>
+                </a:r>
+              </a:p>
+            </p:txBody>
+          </p:sp>
+        </mc:Choice>
+        <mc:Fallback xmlns="">
+          <p:sp>
+            <p:nvSpPr>
+              <p:cNvPr id="10" name="TextBox 9"/>
+              <p:cNvSpPr txBox="1">
+                <a:spLocks noRot="1" noChangeAspect="1" noMove="1" noResize="1" noEditPoints="1" noAdjustHandles="1" noChangeArrowheads="1" noChangeShapeType="1" noTextEdit="1"/>
+              </p:cNvSpPr>
+              <p:nvPr/>
+            </p:nvSpPr>
+            <p:spPr>
+              <a:xfrm>
+                <a:off x="273398" y="214024"/>
+                <a:ext cx="3535713" cy="369332"/>
+              </a:xfrm>
+              <a:prstGeom prst="rect">
+                <a:avLst/>
+              </a:prstGeom>
+              <a:blipFill>
+                <a:blip r:embed="rId3"/>
+                <a:stretch>
+                  <a:fillRect l="-862" t="-8197" r="-1379" b="-24590"/>
+                </a:stretch>
+              </a:blipFill>
+            </p:spPr>
+            <p:txBody>
+              <a:bodyPr/>
+              <a:lstStyle/>
+              <a:p>
+                <a:r>
+                  <a:rPr lang="en-US">
+                    <a:noFill/>
+                  </a:rPr>
+                  <a:t> </a:t>
+                </a:r>
+              </a:p>
+            </p:txBody>
+          </p:sp>
+        </mc:Fallback>
+      </mc:AlternateContent>
       <p:grpSp>
         <p:nvGrpSpPr>
           <p:cNvPr id="19" name="Group 18"/>
@@ -3370,10 +3430,10 @@
         </p:nvGrpSpPr>
         <p:grpSpPr>
           <a:xfrm>
-            <a:off x="3668991" y="591028"/>
-            <a:ext cx="2571166" cy="5501783"/>
-            <a:chOff x="3564951" y="547832"/>
-            <a:chExt cx="1881168" cy="4230091"/>
+            <a:off x="4290218" y="880401"/>
+            <a:ext cx="2571166" cy="5501784"/>
+            <a:chOff x="3564951" y="547831"/>
+            <a:chExt cx="1881168" cy="4230092"/>
           </a:xfrm>
         </p:grpSpPr>
         <p:sp>
@@ -3384,8 +3444,8 @@
           </p:nvSpPr>
           <p:spPr>
             <a:xfrm>
-              <a:off x="3564951" y="547832"/>
-              <a:ext cx="1881168" cy="665536"/>
+              <a:off x="3564951" y="547831"/>
+              <a:ext cx="1881168" cy="1504063"/>
             </a:xfrm>
             <a:prstGeom prst="rect">
               <a:avLst/>
@@ -3425,23 +3485,28 @@
             <a:lstStyle/>
             <a:p>
               <a:r>
-                <a:rPr lang="en-US" dirty="0">
-                  <a:solidFill>
-                    <a:schemeClr val="tx1"/>
-                  </a:solidFill>
-                </a:rPr>
-                <a:t>#layers 	4 byte </a:t>
-              </a:r>
-              <a:r>
-                <a:rPr lang="en-US" dirty="0" err="1">
+                <a:rPr lang="en-US" sz="1100" dirty="0">
                   <a:solidFill>
                     <a:schemeClr val="tx1"/>
                   </a:solidFill>
                   <a:latin typeface="Consolas" panose="020B0609020204030204" pitchFamily="49" charset="0"/>
                 </a:rPr>
-                <a:t>uint</a:t>
+                <a:t>#wavenumber  </a:t>
               </a:r>
-              <a:endParaRPr lang="en-US" dirty="0">
+            </a:p>
+            <a:p>
+              <a:r>
+                <a:rPr lang="en-US" sz="1100" dirty="0">
+                  <a:solidFill>
+                    <a:schemeClr val="tx1"/>
+                  </a:solidFill>
+                  <a:latin typeface="Consolas" panose="020B0609020204030204" pitchFamily="49" charset="0"/>
+                </a:rPr>
+                <a:t>        8bytes double </a:t>
+              </a:r>
+            </a:p>
+            <a:p>
+              <a:endParaRPr lang="en-US" sz="1050" dirty="0">
                 <a:solidFill>
                   <a:schemeClr val="tx1"/>
                 </a:solidFill>
@@ -3450,170 +3515,54 @@
             </a:p>
             <a:p>
               <a:r>
-                <a:rPr lang="en-US" dirty="0">
-                  <a:solidFill>
-                    <a:schemeClr val="tx1"/>
-                  </a:solidFill>
-                </a:rPr>
-                <a:t>#waves	4 byte </a:t>
-              </a:r>
-              <a:r>
-                <a:rPr lang="en-US" dirty="0" err="1">
+                <a:rPr lang="en-US" sz="1050" dirty="0">
                   <a:solidFill>
                     <a:schemeClr val="tx1"/>
                   </a:solidFill>
                   <a:latin typeface="Consolas" panose="020B0609020204030204" pitchFamily="49" charset="0"/>
                 </a:rPr>
-                <a:t>uint</a:t>
+                <a:t>#direction of propagation </a:t>
               </a:r>
-              <a:endParaRPr lang="en-US" dirty="0">
+            </a:p>
+            <a:p>
+              <a:r>
+                <a:rPr lang="en-US" sz="1050" dirty="0">
+                  <a:solidFill>
+                    <a:schemeClr val="tx1"/>
+                  </a:solidFill>
+                  <a:latin typeface="Consolas" panose="020B0609020204030204" pitchFamily="49" charset="0"/>
+                </a:rPr>
+                <a:t>        16bytes double*2</a:t>
+              </a:r>
+            </a:p>
+            <a:p>
+              <a:endParaRPr lang="en-US" sz="1050" dirty="0">
                 <a:solidFill>
                   <a:schemeClr val="tx1"/>
                 </a:solidFill>
                 <a:latin typeface="Consolas" panose="020B0609020204030204" pitchFamily="49" charset="0"/>
               </a:endParaRPr>
             </a:p>
-          </p:txBody>
-        </p:sp>
-        <p:sp>
-          <p:nvSpPr>
-            <p:cNvPr id="15" name="Rectangle 14"/>
-            <p:cNvSpPr/>
-            <p:nvPr/>
-          </p:nvSpPr>
-          <p:spPr>
-            <a:xfrm>
-              <a:off x="3564951" y="1213368"/>
-              <a:ext cx="1881168" cy="1207365"/>
-            </a:xfrm>
-            <a:prstGeom prst="rect">
-              <a:avLst/>
-            </a:prstGeom>
-            <a:solidFill>
-              <a:schemeClr val="accent5">
-                <a:lumMod val="40000"/>
-                <a:lumOff val="60000"/>
-              </a:schemeClr>
-            </a:solidFill>
-            <a:ln>
-              <a:solidFill>
-                <a:schemeClr val="accent5">
-                  <a:lumMod val="50000"/>
-                </a:schemeClr>
-              </a:solidFill>
-            </a:ln>
-          </p:spPr>
-          <p:style>
-            <a:lnRef idx="2">
-              <a:schemeClr val="accent1">
-                <a:shade val="50000"/>
-              </a:schemeClr>
-            </a:lnRef>
-            <a:fillRef idx="1">
-              <a:schemeClr val="accent1"/>
-            </a:fillRef>
-            <a:effectRef idx="0">
-              <a:schemeClr val="accent1"/>
-            </a:effectRef>
-            <a:fontRef idx="minor">
-              <a:schemeClr val="lt1"/>
-            </a:fontRef>
-          </p:style>
-          <p:txBody>
-            <a:bodyPr rtlCol="0" anchor="ctr"/>
-            <a:lstStyle/>
-            <a:p>
-              <a:pPr algn="ctr"/>
-              <a:r>
-                <a:rPr lang="en-US" b="1" dirty="0">
-                  <a:solidFill>
-                    <a:schemeClr val="tx1"/>
-                  </a:solidFill>
-                </a:rPr>
-                <a:t>layer positions</a:t>
-              </a:r>
-            </a:p>
             <a:p>
               <a:r>
-                <a:rPr lang="en-US" dirty="0">
-                  <a:solidFill>
-                    <a:schemeClr val="tx1"/>
-                  </a:solidFill>
-                </a:rPr>
-                <a:t>#zpos0	4 byte </a:t>
-              </a:r>
-              <a:r>
-                <a:rPr lang="en-US" dirty="0">
+                <a:rPr lang="en-US" sz="900" dirty="0">
                   <a:solidFill>
                     <a:schemeClr val="tx1"/>
                   </a:solidFill>
                   <a:latin typeface="Consolas" panose="020B0609020204030204" pitchFamily="49" charset="0"/>
                 </a:rPr>
-                <a:t>float</a:t>
+                <a:t>#refractive index for the first layer </a:t>
               </a:r>
             </a:p>
             <a:p>
               <a:r>
-                <a:rPr lang="en-US" dirty="0">
-                  <a:solidFill>
-                    <a:schemeClr val="tx1"/>
-                  </a:solidFill>
-                </a:rPr>
-                <a:t>#zpos1	4 byte </a:t>
-              </a:r>
-              <a:r>
-                <a:rPr lang="en-US" dirty="0">
+                <a:rPr lang="en-US" sz="1050" dirty="0">
                   <a:solidFill>
                     <a:schemeClr val="tx1"/>
                   </a:solidFill>
                   <a:latin typeface="Consolas" panose="020B0609020204030204" pitchFamily="49" charset="0"/>
                 </a:rPr>
-                <a:t>float</a:t>
-              </a:r>
-            </a:p>
-            <a:p>
-              <a:r>
-                <a:rPr lang="en-US" dirty="0">
-                  <a:solidFill>
-                    <a:schemeClr val="tx1"/>
-                  </a:solidFill>
-                </a:rPr>
-                <a:t>...</a:t>
-              </a:r>
-            </a:p>
-            <a:p>
-              <a:r>
-                <a:rPr lang="en-US" dirty="0">
-                  <a:solidFill>
-                    <a:schemeClr val="tx1"/>
-                  </a:solidFill>
-                </a:rPr>
-                <a:t>#</a:t>
-              </a:r>
-              <a:r>
-                <a:rPr lang="en-US" dirty="0" err="1">
-                  <a:solidFill>
-                    <a:schemeClr val="tx1"/>
-                  </a:solidFill>
-                </a:rPr>
-                <a:t>zposN</a:t>
-              </a:r>
-              <a:r>
-                <a:rPr lang="en-US" dirty="0">
-                  <a:solidFill>
-                    <a:schemeClr val="tx1"/>
-                  </a:solidFill>
-                </a:rPr>
-                <a:t>	4 byte </a:t>
-              </a:r>
-              <a:r>
-                <a:rPr lang="en-US" dirty="0">
-                  <a:solidFill>
-                    <a:schemeClr val="tx1"/>
-                  </a:solidFill>
-                  <a:latin typeface="Consolas" panose="020B0609020204030204" pitchFamily="49" charset="0"/>
-                </a:rPr>
-                <a:t>float</a:t>
+                <a:t>        16bytes complex&lt;double&gt;</a:t>
               </a:r>
             </a:p>
           </p:txBody>
@@ -3626,8 +3575,8 @@
           </p:nvSpPr>
           <p:spPr>
             <a:xfrm>
-              <a:off x="3564951" y="2420733"/>
-              <a:ext cx="1881168" cy="2357190"/>
+              <a:off x="3564951" y="2051895"/>
+              <a:ext cx="1881168" cy="2726028"/>
             </a:xfrm>
             <a:prstGeom prst="rect">
               <a:avLst/>
@@ -3668,7 +3617,7 @@
                     <a:schemeClr val="tx1"/>
                   </a:solidFill>
                 </a:rPr>
-                <a:t>plane waves</a:t>
+                <a:t>LAYERS</a:t>
               </a:r>
             </a:p>
           </p:txBody>
@@ -3682,8 +3631,8 @@
         </p:nvSpPr>
         <p:spPr>
           <a:xfrm>
-            <a:off x="4380653" y="216938"/>
-            <a:ext cx="859531" cy="369332"/>
+            <a:off x="5089123" y="869897"/>
+            <a:ext cx="872355" cy="369332"/>
           </a:xfrm>
           <a:prstGeom prst="rect">
             <a:avLst/>
@@ -3698,14 +3647,14 @@
           <a:p>
             <a:pPr algn="ctr"/>
             <a:r>
-              <a:rPr lang="en-US" dirty="0"/>
+              <a:rPr lang="en-US" b="1" dirty="0"/>
               <a:t>sample</a:t>
             </a:r>
           </a:p>
         </p:txBody>
       </p:sp>
-      <mc:AlternateContent xmlns:mc="http://schemas.openxmlformats.org/markup-compatibility/2006">
-        <mc:Choice xmlns:a14="http://schemas.microsoft.com/office/drawing/2010/main" Requires="a14">
+      <mc:AlternateContent xmlns:mc="http://schemas.openxmlformats.org/markup-compatibility/2006" xmlns:a14="http://schemas.microsoft.com/office/drawing/2010/main">
+        <mc:Choice Requires="a14">
           <p:sp>
             <p:nvSpPr>
               <p:cNvPr id="25" name="Rectangle 24"/>
@@ -3714,8 +3663,8 @@
             </p:nvSpPr>
             <p:spPr>
               <a:xfrm>
-                <a:off x="3668990" y="3667155"/>
-                <a:ext cx="2571166" cy="266867"/>
+                <a:off x="4290217" y="3718375"/>
+                <a:ext cx="2571166" cy="505022"/>
               </a:xfrm>
               <a:prstGeom prst="rect">
                 <a:avLst/>
@@ -3757,40 +3706,15 @@
                       <m:jc m:val="centerGroup"/>
                     </m:oMathParaPr>
                     <m:oMath xmlns:m="http://schemas.openxmlformats.org/officeDocument/2006/math">
-                      <m:sSub>
-                        <m:sSubPr>
-                          <m:ctrlPr>
-                            <a:rPr lang="en-US" b="0" i="1" smtClean="0">
-                              <a:solidFill>
-                                <a:schemeClr val="tx1"/>
-                              </a:solidFill>
-                              <a:latin typeface="Cambria Math" panose="02040503050406030204" pitchFamily="18" charset="0"/>
-                            </a:rPr>
-                          </m:ctrlPr>
-                        </m:sSubPr>
-                        <m:e>
-                          <m:r>
-                            <a:rPr lang="en-US" b="0" i="1" smtClean="0">
-                              <a:solidFill>
-                                <a:schemeClr val="tx1"/>
-                              </a:solidFill>
-                              <a:latin typeface="Cambria Math" panose="02040503050406030204" pitchFamily="18" charset="0"/>
-                            </a:rPr>
-                            <m:t>𝑝</m:t>
-                          </m:r>
-                        </m:e>
-                        <m:sub>
-                          <m:r>
-                            <a:rPr lang="en-US" b="0" i="1" smtClean="0">
-                              <a:solidFill>
-                                <a:schemeClr val="tx1"/>
-                              </a:solidFill>
-                              <a:latin typeface="Cambria Math" panose="02040503050406030204" pitchFamily="18" charset="0"/>
-                            </a:rPr>
-                            <m:t>𝑖</m:t>
-                          </m:r>
-                        </m:sub>
-                      </m:sSub>
+                      <m:r>
+                        <a:rPr lang="en-US" b="0" i="1" smtClean="0">
+                          <a:solidFill>
+                            <a:schemeClr val="tx1"/>
+                          </a:solidFill>
+                          <a:latin typeface="Cambria Math" panose="02040503050406030204" pitchFamily="18" charset="0"/>
+                        </a:rPr>
+                        <m:t>𝑙𝑖</m:t>
+                      </m:r>
                     </m:oMath>
                   </m:oMathPara>
                 </a14:m>
@@ -3803,7 +3727,7 @@
             </p:txBody>
           </p:sp>
         </mc:Choice>
-        <mc:Fallback>
+        <mc:Fallback xmlns="">
           <p:sp>
             <p:nvSpPr>
               <p:cNvPr id="25" name="Rectangle 24"/>
@@ -3814,16 +3738,16 @@
             </p:nvSpPr>
             <p:spPr>
               <a:xfrm>
-                <a:off x="3668990" y="3667155"/>
-                <a:ext cx="2571166" cy="266867"/>
+                <a:off x="4290217" y="3718375"/>
+                <a:ext cx="2571166" cy="505022"/>
               </a:xfrm>
               <a:prstGeom prst="rect">
                 <a:avLst/>
               </a:prstGeom>
               <a:blipFill>
-                <a:blip r:embed="rId2"/>
+                <a:blip r:embed="rId4"/>
                 <a:stretch>
-                  <a:fillRect b="-26667"/>
+                  <a:fillRect/>
                 </a:stretch>
               </a:blipFill>
               <a:ln>
@@ -3856,14 +3780,14 @@
         </p:nvGrpSpPr>
         <p:grpSpPr>
           <a:xfrm>
-            <a:off x="7368750" y="534770"/>
-            <a:ext cx="1337362" cy="5512892"/>
-            <a:chOff x="8694840" y="547833"/>
-            <a:chExt cx="1337362" cy="5007037"/>
+            <a:off x="7844609" y="720212"/>
+            <a:ext cx="2846873" cy="5616824"/>
+            <a:chOff x="8694840" y="554073"/>
+            <a:chExt cx="1337359" cy="5000797"/>
           </a:xfrm>
         </p:grpSpPr>
-        <mc:AlternateContent xmlns:mc="http://schemas.openxmlformats.org/markup-compatibility/2006" xmlns:a14="http://schemas.microsoft.com/office/drawing/2010/main">
-          <mc:Choice Requires="a14">
+        <mc:AlternateContent xmlns:mc="http://schemas.openxmlformats.org/markup-compatibility/2006">
+          <mc:Choice xmlns:a14="http://schemas.microsoft.com/office/drawing/2010/main" Requires="a14">
             <p:sp>
               <p:nvSpPr>
                 <p:cNvPr id="27" name="Rectangle 26"/>
@@ -3872,8 +3796,8 @@
               </p:nvSpPr>
               <p:spPr>
                 <a:xfrm>
-                  <a:off x="8694843" y="547833"/>
-                  <a:ext cx="1337359" cy="317865"/>
+                  <a:off x="8694840" y="554073"/>
+                  <a:ext cx="1337359" cy="771913"/>
                 </a:xfrm>
                 <a:prstGeom prst="rect">
                   <a:avLst/>
@@ -3913,42 +3837,81 @@
                 <a:bodyPr rtlCol="0" anchor="ctr"/>
                 <a:lstStyle/>
                 <a:p>
-                  <a:pPr algn="ctr"/>
                   <a14:m>
                     <m:oMath xmlns:m="http://schemas.openxmlformats.org/officeDocument/2006/math">
                       <m:r>
-                        <a:rPr lang="en-US" b="0" i="1" smtClean="0">
+                        <a:rPr lang="en-US" sz="1100">
                           <a:solidFill>
                             <a:schemeClr val="tx1"/>
                           </a:solidFill>
                           <a:latin typeface="Cambria Math" panose="02040503050406030204" pitchFamily="18" charset="0"/>
                         </a:rPr>
-                        <m:t>𝑥</m:t>
+                        <m:t>#</m:t>
+                      </m:r>
+                      <m:r>
+                        <a:rPr lang="en-US" sz="1100">
+                          <a:solidFill>
+                            <a:schemeClr val="tx1"/>
+                          </a:solidFill>
+                          <a:latin typeface="Cambria Math" panose="02040503050406030204" pitchFamily="18" charset="0"/>
+                        </a:rPr>
+                        <m:t>𝑧</m:t>
+                      </m:r>
+                      <m:r>
+                        <a:rPr lang="en-US" sz="1100">
+                          <a:solidFill>
+                            <a:schemeClr val="tx1"/>
+                          </a:solidFill>
+                          <a:latin typeface="Cambria Math" panose="02040503050406030204" pitchFamily="18" charset="0"/>
+                        </a:rPr>
+                        <m:t> </m:t>
                       </m:r>
                     </m:oMath>
                   </a14:m>
                   <a:r>
-                    <a:rPr lang="en-US" dirty="0">
-                      <a:solidFill>
-                        <a:schemeClr val="tx1"/>
-                      </a:solidFill>
-                    </a:rPr>
-                    <a:t> </a:t>
-                  </a:r>
-                  <a:r>
-                    <a:rPr lang="en-US" dirty="0">
+                    <a:rPr lang="en-US" sz="1100" dirty="0">
                       <a:solidFill>
                         <a:schemeClr val="tx1"/>
                       </a:solidFill>
                       <a:latin typeface="Consolas" panose="020B0609020204030204" pitchFamily="49" charset="0"/>
                     </a:rPr>
-                    <a:t>float</a:t>
+                    <a:t>position </a:t>
+                  </a:r>
+                  <a14:m>
+                    <m:oMath xmlns:m="http://schemas.openxmlformats.org/officeDocument/2006/math">
+                      <m:r>
+                        <a:rPr lang="en-US" sz="1100" i="1" dirty="0" smtClean="0">
+                          <a:solidFill>
+                            <a:schemeClr val="tx1"/>
+                          </a:solidFill>
+                          <a:latin typeface="Cambria Math" panose="02040503050406030204" pitchFamily="18" charset="0"/>
+                        </a:rPr>
+                        <m:t>𝑧</m:t>
+                      </m:r>
+                    </m:oMath>
+                  </a14:m>
+                  <a:endParaRPr lang="en-US" sz="1100" i="1" dirty="0">
+                    <a:solidFill>
+                      <a:schemeClr val="tx1"/>
+                    </a:solidFill>
+                    <a:latin typeface="Cambria Math" panose="02040503050406030204" pitchFamily="18" charset="0"/>
+                  </a:endParaRPr>
+                </a:p>
+                <a:p>
+                  <a:r>
+                    <a:rPr lang="en-US" sz="1100" dirty="0">
+                      <a:solidFill>
+                        <a:schemeClr val="tx1"/>
+                      </a:solidFill>
+                      <a:latin typeface="Consolas" panose="020B0609020204030204" pitchFamily="49" charset="0"/>
+                    </a:rPr>
+                    <a:t>        8bytes double</a:t>
                   </a:r>
                 </a:p>
               </p:txBody>
             </p:sp>
           </mc:Choice>
-          <mc:Fallback xmlns="">
+          <mc:Fallback>
             <p:sp>
               <p:nvSpPr>
                 <p:cNvPr id="27" name="Rectangle 26"/>
@@ -3959,16 +3922,16 @@
               </p:nvSpPr>
               <p:spPr>
                 <a:xfrm>
-                  <a:off x="8694843" y="547833"/>
-                  <a:ext cx="1337359" cy="317865"/>
+                  <a:off x="8694840" y="554073"/>
+                  <a:ext cx="1337359" cy="771913"/>
                 </a:xfrm>
                 <a:prstGeom prst="rect">
                   <a:avLst/>
                 </a:prstGeom>
                 <a:blipFill>
-                  <a:blip r:embed="rId4"/>
+                  <a:blip r:embed="rId5"/>
                   <a:stretch>
-                    <a:fillRect t="-10169" b="-27119"/>
+                    <a:fillRect/>
                   </a:stretch>
                 </a:blipFill>
                 <a:ln>
@@ -3995,18 +3958,18 @@
             </p:sp>
           </mc:Fallback>
         </mc:AlternateContent>
-        <mc:AlternateContent xmlns:mc="http://schemas.openxmlformats.org/markup-compatibility/2006" xmlns:a14="http://schemas.microsoft.com/office/drawing/2010/main">
-          <mc:Choice Requires="a14">
+        <mc:AlternateContent xmlns:mc="http://schemas.openxmlformats.org/markup-compatibility/2006">
+          <mc:Choice xmlns:a14="http://schemas.microsoft.com/office/drawing/2010/main" Requires="a14">
             <p:sp>
               <p:nvSpPr>
-                <p:cNvPr id="28" name="Rectangle 27"/>
+                <p:cNvPr id="29" name="Rectangle 28"/>
                 <p:cNvSpPr/>
                 <p:nvPr/>
               </p:nvSpPr>
               <p:spPr>
                 <a:xfrm>
-                  <a:off x="8694842" y="865698"/>
-                  <a:ext cx="1337359" cy="317865"/>
+                  <a:off x="8694840" y="1325986"/>
+                  <a:ext cx="1337359" cy="811172"/>
                 </a:xfrm>
                 <a:prstGeom prst="rect">
                   <a:avLst/>
@@ -4046,185 +4009,68 @@
                 <a:bodyPr rtlCol="0" anchor="ctr"/>
                 <a:lstStyle/>
                 <a:p>
-                  <a:pPr algn="ctr"/>
+                  <a:r>
+                    <a:rPr lang="en-US" sz="900" dirty="0">
+                      <a:solidFill>
+                        <a:schemeClr val="tx1"/>
+                      </a:solidFill>
+                      <a:latin typeface="Consolas" panose="020B0609020204030204" pitchFamily="49" charset="0"/>
+                    </a:rPr>
+                    <a:t>#z-component of propagation direction </a:t>
+                  </a:r>
                   <a14:m>
                     <m:oMath xmlns:m="http://schemas.openxmlformats.org/officeDocument/2006/math">
                       <m:r>
-                        <a:rPr lang="en-US" b="0" i="1" smtClean="0">
+                        <a:rPr lang="en-US" sz="1050" i="1" dirty="0" smtClean="0">
                           <a:solidFill>
                             <a:schemeClr val="tx1"/>
                           </a:solidFill>
                           <a:latin typeface="Cambria Math" panose="02040503050406030204" pitchFamily="18" charset="0"/>
                         </a:rPr>
-                        <m:t>𝑦</m:t>
+                        <m:t>𝑠𝑧</m:t>
                       </m:r>
                     </m:oMath>
                   </a14:m>
                   <a:r>
-                    <a:rPr lang="en-US" dirty="0">
-                      <a:solidFill>
-                        <a:schemeClr val="tx1"/>
-                      </a:solidFill>
-                    </a:rPr>
-                    <a:t> </a:t>
-                  </a:r>
-                  <a:r>
-                    <a:rPr lang="en-US" dirty="0">
+                    <a:rPr lang="en-US" sz="900" dirty="0">
                       <a:solidFill>
                         <a:schemeClr val="tx1"/>
                       </a:solidFill>
                       <a:latin typeface="Consolas" panose="020B0609020204030204" pitchFamily="49" charset="0"/>
                     </a:rPr>
-                    <a:t>float</a:t>
+                    <a:t> </a:t>
                   </a:r>
-                  <a:endParaRPr lang="en-US" dirty="0">
+                </a:p>
+                <a:p>
+                  <a:r>
+                    <a:rPr lang="en-US" sz="900" dirty="0">
+                      <a:solidFill>
+                        <a:schemeClr val="tx1"/>
+                      </a:solidFill>
+                      <a:latin typeface="Consolas" panose="020B0609020204030204" pitchFamily="49" charset="0"/>
+                    </a:rPr>
+                    <a:t>        </a:t>
+                  </a:r>
+                  <a:r>
+                    <a:rPr lang="en-US" sz="1000" dirty="0">
+                      <a:solidFill>
+                        <a:schemeClr val="tx1"/>
+                      </a:solidFill>
+                      <a:latin typeface="Consolas" panose="020B0609020204030204" pitchFamily="49" charset="0"/>
+                    </a:rPr>
+                    <a:t>16 bytes complex&lt;double&gt;</a:t>
+                  </a:r>
+                  <a:endParaRPr lang="en-US" sz="900" dirty="0">
                     <a:solidFill>
                       <a:schemeClr val="tx1"/>
                     </a:solidFill>
+                    <a:latin typeface="Consolas" panose="020B0609020204030204" pitchFamily="49" charset="0"/>
                   </a:endParaRPr>
                 </a:p>
               </p:txBody>
             </p:sp>
           </mc:Choice>
-          <mc:Fallback xmlns="">
-            <p:sp>
-              <p:nvSpPr>
-                <p:cNvPr id="28" name="Rectangle 27"/>
-                <p:cNvSpPr>
-                  <a:spLocks noRot="1" noChangeAspect="1" noMove="1" noResize="1" noEditPoints="1" noAdjustHandles="1" noChangeArrowheads="1" noChangeShapeType="1" noTextEdit="1"/>
-                </p:cNvSpPr>
-                <p:nvPr/>
-              </p:nvSpPr>
-              <p:spPr>
-                <a:xfrm>
-                  <a:off x="8694842" y="865698"/>
-                  <a:ext cx="1337359" cy="317865"/>
-                </a:xfrm>
-                <a:prstGeom prst="rect">
-                  <a:avLst/>
-                </a:prstGeom>
-                <a:blipFill>
-                  <a:blip r:embed="rId5"/>
-                  <a:stretch>
-                    <a:fillRect t="-10000" b="-26667"/>
-                  </a:stretch>
-                </a:blipFill>
-                <a:ln>
-                  <a:solidFill>
-                    <a:schemeClr val="accent6">
-                      <a:lumMod val="50000"/>
-                    </a:schemeClr>
-                  </a:solidFill>
-                  <a:prstDash val="solid"/>
-                </a:ln>
-              </p:spPr>
-              <p:txBody>
-                <a:bodyPr/>
-                <a:lstStyle/>
-                <a:p>
-                  <a:r>
-                    <a:rPr lang="en-US">
-                      <a:noFill/>
-                    </a:rPr>
-                    <a:t> </a:t>
-                  </a:r>
-                </a:p>
-              </p:txBody>
-            </p:sp>
-          </mc:Fallback>
-        </mc:AlternateContent>
-        <mc:AlternateContent xmlns:mc="http://schemas.openxmlformats.org/markup-compatibility/2006" xmlns:a14="http://schemas.microsoft.com/office/drawing/2010/main">
-          <mc:Choice Requires="a14">
-            <p:sp>
-              <p:nvSpPr>
-                <p:cNvPr id="29" name="Rectangle 28"/>
-                <p:cNvSpPr/>
-                <p:nvPr/>
-              </p:nvSpPr>
-              <p:spPr>
-                <a:xfrm>
-                  <a:off x="8694841" y="1183563"/>
-                  <a:ext cx="1337359" cy="317865"/>
-                </a:xfrm>
-                <a:prstGeom prst="rect">
-                  <a:avLst/>
-                </a:prstGeom>
-                <a:solidFill>
-                  <a:schemeClr val="accent6">
-                    <a:lumMod val="20000"/>
-                    <a:lumOff val="80000"/>
-                  </a:schemeClr>
-                </a:solidFill>
-                <a:ln>
-                  <a:solidFill>
-                    <a:schemeClr val="accent6">
-                      <a:lumMod val="50000"/>
-                    </a:schemeClr>
-                  </a:solidFill>
-                  <a:prstDash val="solid"/>
-                </a:ln>
-              </p:spPr>
-              <p:style>
-                <a:lnRef idx="2">
-                  <a:schemeClr val="accent1">
-                    <a:shade val="50000"/>
-                  </a:schemeClr>
-                </a:lnRef>
-                <a:fillRef idx="1">
-                  <a:schemeClr val="accent1"/>
-                </a:fillRef>
-                <a:effectRef idx="0">
-                  <a:schemeClr val="accent1"/>
-                </a:effectRef>
-                <a:fontRef idx="minor">
-                  <a:schemeClr val="lt1"/>
-                </a:fontRef>
-              </p:style>
-              <p:txBody>
-                <a:bodyPr rtlCol="0" anchor="ctr"/>
-                <a:lstStyle/>
-                <a:p>
-                  <a:pPr algn="ctr"/>
-                  <a14:m>
-                    <m:oMath xmlns:m="http://schemas.openxmlformats.org/officeDocument/2006/math">
-                      <m:r>
-                        <a:rPr lang="en-US" b="0" i="1" smtClean="0">
-                          <a:solidFill>
-                            <a:schemeClr val="tx1"/>
-                          </a:solidFill>
-                          <a:latin typeface="Cambria Math" panose="02040503050406030204" pitchFamily="18" charset="0"/>
-                        </a:rPr>
-                        <m:t>𝑧</m:t>
-                      </m:r>
-                    </m:oMath>
-                  </a14:m>
-                  <a:r>
-                    <a:rPr lang="en-US" dirty="0">
-                      <a:solidFill>
-                        <a:schemeClr val="tx1"/>
-                      </a:solidFill>
-                    </a:rPr>
-                    <a:t> </a:t>
-                  </a:r>
-                  <a:r>
-                    <a:rPr lang="en-US" dirty="0">
-                      <a:solidFill>
-                        <a:schemeClr val="tx1"/>
-                      </a:solidFill>
-                      <a:latin typeface="Consolas" panose="020B0609020204030204" pitchFamily="49" charset="0"/>
-                    </a:rPr>
-                    <a:t>float</a:t>
-                  </a:r>
-                  <a:endParaRPr lang="en-US" dirty="0">
-                    <a:solidFill>
-                      <a:schemeClr val="tx1"/>
-                    </a:solidFill>
-                  </a:endParaRPr>
-                </a:p>
-              </p:txBody>
-            </p:sp>
-          </mc:Choice>
-          <mc:Fallback xmlns="">
+          <mc:Fallback>
             <p:sp>
               <p:nvSpPr>
                 <p:cNvPr id="29" name="Rectangle 28"/>
@@ -4235,8 +4081,8 @@
               </p:nvSpPr>
               <p:spPr>
                 <a:xfrm>
-                  <a:off x="8694841" y="1183563"/>
-                  <a:ext cx="1337359" cy="317865"/>
+                  <a:off x="8694840" y="1325986"/>
+                  <a:ext cx="1337359" cy="811172"/>
                 </a:xfrm>
                 <a:prstGeom prst="rect">
                   <a:avLst/>
@@ -4244,328 +4090,12 @@
                 <a:blipFill>
                   <a:blip r:embed="rId6"/>
                   <a:stretch>
-                    <a:fillRect t="-10169" b="-27119"/>
+                    <a:fillRect/>
                   </a:stretch>
                 </a:blipFill>
                 <a:ln>
                   <a:solidFill>
                     <a:schemeClr val="accent6">
-                      <a:lumMod val="50000"/>
-                    </a:schemeClr>
-                  </a:solidFill>
-                  <a:prstDash val="solid"/>
-                </a:ln>
-              </p:spPr>
-              <p:txBody>
-                <a:bodyPr/>
-                <a:lstStyle/>
-                <a:p>
-                  <a:r>
-                    <a:rPr lang="en-US">
-                      <a:noFill/>
-                    </a:rPr>
-                    <a:t> </a:t>
-                  </a:r>
-                </a:p>
-              </p:txBody>
-            </p:sp>
-          </mc:Fallback>
-        </mc:AlternateContent>
-        <mc:AlternateContent xmlns:mc="http://schemas.openxmlformats.org/markup-compatibility/2006" xmlns:a14="http://schemas.microsoft.com/office/drawing/2010/main">
-          <mc:Choice Requires="a14">
-            <p:sp>
-              <p:nvSpPr>
-                <p:cNvPr id="30" name="Rectangle 29"/>
-                <p:cNvSpPr/>
-                <p:nvPr/>
-              </p:nvSpPr>
-              <p:spPr>
-                <a:xfrm>
-                  <a:off x="8694841" y="1501428"/>
-                  <a:ext cx="1337359" cy="317865"/>
-                </a:xfrm>
-                <a:prstGeom prst="rect">
-                  <a:avLst/>
-                </a:prstGeom>
-                <a:solidFill>
-                  <a:schemeClr val="accent4">
-                    <a:lumMod val="20000"/>
-                    <a:lumOff val="80000"/>
-                  </a:schemeClr>
-                </a:solidFill>
-                <a:ln>
-                  <a:solidFill>
-                    <a:schemeClr val="accent4">
-                      <a:lumMod val="50000"/>
-                    </a:schemeClr>
-                  </a:solidFill>
-                  <a:prstDash val="solid"/>
-                </a:ln>
-              </p:spPr>
-              <p:style>
-                <a:lnRef idx="2">
-                  <a:schemeClr val="accent1">
-                    <a:shade val="50000"/>
-                  </a:schemeClr>
-                </a:lnRef>
-                <a:fillRef idx="1">
-                  <a:schemeClr val="accent1"/>
-                </a:fillRef>
-                <a:effectRef idx="0">
-                  <a:schemeClr val="accent1"/>
-                </a:effectRef>
-                <a:fontRef idx="minor">
-                  <a:schemeClr val="lt1"/>
-                </a:fontRef>
-              </p:style>
-              <p:txBody>
-                <a:bodyPr rtlCol="0" anchor="ctr"/>
-                <a:lstStyle/>
-                <a:p>
-                  <a:pPr algn="ctr"/>
-                  <a14:m>
-                    <m:oMath xmlns:m="http://schemas.openxmlformats.org/officeDocument/2006/math">
-                      <m:sSub>
-                        <m:sSubPr>
-                          <m:ctrlPr>
-                            <a:rPr lang="en-US" b="0" i="1" smtClean="0">
-                              <a:solidFill>
-                                <a:schemeClr val="tx1"/>
-                              </a:solidFill>
-                              <a:latin typeface="Cambria Math" panose="02040503050406030204" pitchFamily="18" charset="0"/>
-                            </a:rPr>
-                          </m:ctrlPr>
-                        </m:sSubPr>
-                        <m:e>
-                          <m:r>
-                            <a:rPr lang="en-US" b="0" i="1" smtClean="0">
-                              <a:solidFill>
-                                <a:schemeClr val="tx1"/>
-                              </a:solidFill>
-                              <a:latin typeface="Cambria Math" panose="02040503050406030204" pitchFamily="18" charset="0"/>
-                            </a:rPr>
-                            <m:t>𝐸</m:t>
-                          </m:r>
-                        </m:e>
-                        <m:sub>
-                          <m:r>
-                            <a:rPr lang="en-US" b="0" i="1" smtClean="0">
-                              <a:solidFill>
-                                <a:schemeClr val="tx1"/>
-                              </a:solidFill>
-                              <a:latin typeface="Cambria Math" panose="02040503050406030204" pitchFamily="18" charset="0"/>
-                            </a:rPr>
-                            <m:t>𝑜</m:t>
-                          </m:r>
-                        </m:sub>
-                      </m:sSub>
-                    </m:oMath>
-                  </a14:m>
-                  <a:r>
-                    <a:rPr lang="en-US" dirty="0">
-                      <a:solidFill>
-                        <a:schemeClr val="tx1"/>
-                      </a:solidFill>
-                    </a:rPr>
-                    <a:t> </a:t>
-                  </a:r>
-                  <a:r>
-                    <a:rPr lang="en-US" dirty="0">
-                      <a:solidFill>
-                        <a:schemeClr val="tx1"/>
-                      </a:solidFill>
-                      <a:latin typeface="Consolas" panose="020B0609020204030204" pitchFamily="49" charset="0"/>
-                    </a:rPr>
-                    <a:t>uint</a:t>
-                  </a:r>
-                </a:p>
-              </p:txBody>
-            </p:sp>
-          </mc:Choice>
-          <mc:Fallback xmlns="">
-            <p:sp>
-              <p:nvSpPr>
-                <p:cNvPr id="30" name="Rectangle 29"/>
-                <p:cNvSpPr>
-                  <a:spLocks noRot="1" noChangeAspect="1" noMove="1" noResize="1" noEditPoints="1" noAdjustHandles="1" noChangeArrowheads="1" noChangeShapeType="1" noTextEdit="1"/>
-                </p:cNvSpPr>
-                <p:nvPr/>
-              </p:nvSpPr>
-              <p:spPr>
-                <a:xfrm>
-                  <a:off x="8694841" y="1501428"/>
-                  <a:ext cx="1337359" cy="317865"/>
-                </a:xfrm>
-                <a:prstGeom prst="rect">
-                  <a:avLst/>
-                </a:prstGeom>
-                <a:blipFill>
-                  <a:blip r:embed="rId7"/>
-                  <a:stretch>
-                    <a:fillRect t="-10169" b="-28814"/>
-                  </a:stretch>
-                </a:blipFill>
-                <a:ln>
-                  <a:solidFill>
-                    <a:schemeClr val="accent4">
-                      <a:lumMod val="50000"/>
-                    </a:schemeClr>
-                  </a:solidFill>
-                  <a:prstDash val="solid"/>
-                </a:ln>
-              </p:spPr>
-              <p:txBody>
-                <a:bodyPr/>
-                <a:lstStyle/>
-                <a:p>
-                  <a:r>
-                    <a:rPr lang="en-US">
-                      <a:noFill/>
-                    </a:rPr>
-                    <a:t> </a:t>
-                  </a:r>
-                </a:p>
-              </p:txBody>
-            </p:sp>
-          </mc:Fallback>
-        </mc:AlternateContent>
-        <mc:AlternateContent xmlns:mc="http://schemas.openxmlformats.org/markup-compatibility/2006" xmlns:a14="http://schemas.microsoft.com/office/drawing/2010/main">
-          <mc:Choice Requires="a14">
-            <p:sp>
-              <p:nvSpPr>
-                <p:cNvPr id="31" name="Rectangle 30"/>
-                <p:cNvSpPr/>
-                <p:nvPr/>
-              </p:nvSpPr>
-              <p:spPr>
-                <a:xfrm>
-                  <a:off x="8694841" y="1819293"/>
-                  <a:ext cx="1337359" cy="317865"/>
-                </a:xfrm>
-                <a:prstGeom prst="rect">
-                  <a:avLst/>
-                </a:prstGeom>
-                <a:solidFill>
-                  <a:schemeClr val="accent4">
-                    <a:lumMod val="20000"/>
-                    <a:lumOff val="80000"/>
-                  </a:schemeClr>
-                </a:solidFill>
-                <a:ln>
-                  <a:solidFill>
-                    <a:schemeClr val="accent4">
-                      <a:lumMod val="50000"/>
-                    </a:schemeClr>
-                  </a:solidFill>
-                  <a:prstDash val="solid"/>
-                </a:ln>
-              </p:spPr>
-              <p:style>
-                <a:lnRef idx="2">
-                  <a:schemeClr val="accent1">
-                    <a:shade val="50000"/>
-                  </a:schemeClr>
-                </a:lnRef>
-                <a:fillRef idx="1">
-                  <a:schemeClr val="accent1"/>
-                </a:fillRef>
-                <a:effectRef idx="0">
-                  <a:schemeClr val="accent1"/>
-                </a:effectRef>
-                <a:fontRef idx="minor">
-                  <a:schemeClr val="lt1"/>
-                </a:fontRef>
-              </p:style>
-              <p:txBody>
-                <a:bodyPr rtlCol="0" anchor="ctr"/>
-                <a:lstStyle/>
-                <a:p>
-                  <a:pPr algn="ctr"/>
-                  <a14:m>
-                    <m:oMath xmlns:m="http://schemas.openxmlformats.org/officeDocument/2006/math">
-                      <m:sSub>
-                        <m:sSubPr>
-                          <m:ctrlPr>
-                            <a:rPr lang="en-US" b="0" i="1" smtClean="0">
-                              <a:solidFill>
-                                <a:schemeClr val="tx1"/>
-                              </a:solidFill>
-                              <a:latin typeface="Cambria Math" panose="02040503050406030204" pitchFamily="18" charset="0"/>
-                            </a:rPr>
-                          </m:ctrlPr>
-                        </m:sSubPr>
-                        <m:e>
-                          <m:r>
-                            <a:rPr lang="en-US" b="0" i="1" smtClean="0">
-                              <a:solidFill>
-                                <a:schemeClr val="tx1"/>
-                              </a:solidFill>
-                              <a:latin typeface="Cambria Math" panose="02040503050406030204" pitchFamily="18" charset="0"/>
-                            </a:rPr>
-                            <m:t>𝐸</m:t>
-                          </m:r>
-                        </m:e>
-                        <m:sub>
-                          <m:r>
-                            <a:rPr lang="en-US" b="0" i="1" smtClean="0">
-                              <a:solidFill>
-                                <a:schemeClr val="tx1"/>
-                              </a:solidFill>
-                              <a:latin typeface="Cambria Math" panose="02040503050406030204" pitchFamily="18" charset="0"/>
-                            </a:rPr>
-                            <m:t>𝑖</m:t>
-                          </m:r>
-                        </m:sub>
-                      </m:sSub>
-                    </m:oMath>
-                  </a14:m>
-                  <a:r>
-                    <a:rPr lang="en-US" dirty="0">
-                      <a:solidFill>
-                        <a:schemeClr val="tx1"/>
-                      </a:solidFill>
-                    </a:rPr>
-                    <a:t> </a:t>
-                  </a:r>
-                  <a:r>
-                    <a:rPr lang="en-US" dirty="0">
-                      <a:solidFill>
-                        <a:schemeClr val="tx1"/>
-                      </a:solidFill>
-                      <a:latin typeface="Consolas" panose="020B0609020204030204" pitchFamily="49" charset="0"/>
-                    </a:rPr>
-                    <a:t>uint</a:t>
-                  </a:r>
-                </a:p>
-              </p:txBody>
-            </p:sp>
-          </mc:Choice>
-          <mc:Fallback xmlns="">
-            <p:sp>
-              <p:nvSpPr>
-                <p:cNvPr id="31" name="Rectangle 30"/>
-                <p:cNvSpPr>
-                  <a:spLocks noRot="1" noChangeAspect="1" noMove="1" noResize="1" noEditPoints="1" noAdjustHandles="1" noChangeArrowheads="1" noChangeShapeType="1" noTextEdit="1"/>
-                </p:cNvSpPr>
-                <p:nvPr/>
-              </p:nvSpPr>
-              <p:spPr>
-                <a:xfrm>
-                  <a:off x="8694841" y="1819293"/>
-                  <a:ext cx="1337359" cy="317865"/>
-                </a:xfrm>
-                <a:prstGeom prst="rect">
-                  <a:avLst/>
-                </a:prstGeom>
-                <a:blipFill>
-                  <a:blip r:embed="rId8"/>
-                  <a:stretch>
-                    <a:fillRect t="-8333" b="-26667"/>
-                  </a:stretch>
-                </a:blipFill>
-                <a:ln>
-                  <a:solidFill>
-                    <a:schemeClr val="accent4">
                       <a:lumMod val="50000"/>
                     </a:schemeClr>
                   </a:solidFill>
@@ -4637,66 +4167,11 @@
             <a:lstStyle/>
             <a:p>
               <a:pPr algn="ctr"/>
-              <a:r>
-                <a:rPr lang="en-US" dirty="0">
-                  <a:solidFill>
-                    <a:schemeClr val="tx1"/>
-                  </a:solidFill>
-                </a:rPr>
-                <a:t>outgoing</a:t>
-              </a:r>
-            </a:p>
-            <a:p>
-              <a:pPr algn="ctr"/>
-              <a:r>
-                <a:rPr lang="en-US" dirty="0">
-                  <a:solidFill>
-                    <a:schemeClr val="tx1"/>
-                  </a:solidFill>
-                </a:rPr>
-                <a:t>edge</a:t>
-              </a:r>
-            </a:p>
-            <a:p>
-              <a:pPr algn="ctr"/>
-              <a:r>
-                <a:rPr lang="en-US" dirty="0">
-                  <a:solidFill>
-                    <a:schemeClr val="tx1"/>
-                  </a:solidFill>
-                </a:rPr>
-                <a:t>indices</a:t>
-              </a:r>
-            </a:p>
-            <a:p>
-              <a:pPr algn="ctr"/>
               <a:endParaRPr lang="en-US" dirty="0">
                 <a:solidFill>
                   <a:schemeClr val="tx1"/>
                 </a:solidFill>
               </a:endParaRPr>
-            </a:p>
-            <a:p>
-              <a:pPr algn="ctr"/>
-              <a:r>
-                <a:rPr lang="en-US" dirty="0">
-                  <a:solidFill>
-                    <a:schemeClr val="tx1"/>
-                  </a:solidFill>
-                </a:rPr>
-                <a:t>4 bytes</a:t>
-              </a:r>
-            </a:p>
-            <a:p>
-              <a:pPr algn="ctr"/>
-              <a:r>
-                <a:rPr lang="en-US" dirty="0">
-                  <a:solidFill>
-                    <a:schemeClr val="tx1"/>
-                  </a:solidFill>
-                </a:rPr>
-                <a:t>each</a:t>
-              </a:r>
             </a:p>
           </p:txBody>
         </p:sp>
@@ -4745,114 +4220,118 @@
             <a:lstStyle/>
             <a:p>
               <a:pPr algn="ctr"/>
-              <a:r>
-                <a:rPr lang="en-US" dirty="0">
-                  <a:solidFill>
-                    <a:schemeClr val="tx1"/>
-                  </a:solidFill>
-                </a:rPr>
-                <a:t>incoming</a:t>
-              </a:r>
-            </a:p>
-            <a:p>
-              <a:pPr algn="ctr"/>
-              <a:r>
-                <a:rPr lang="en-US" dirty="0">
-                  <a:solidFill>
-                    <a:schemeClr val="tx1"/>
-                  </a:solidFill>
-                </a:rPr>
-                <a:t>edge</a:t>
-              </a:r>
-            </a:p>
-            <a:p>
-              <a:pPr algn="ctr"/>
-              <a:r>
-                <a:rPr lang="en-US" dirty="0">
-                  <a:solidFill>
-                    <a:schemeClr val="tx1"/>
-                  </a:solidFill>
-                </a:rPr>
-                <a:t>indices</a:t>
-              </a:r>
-            </a:p>
-            <a:p>
-              <a:pPr algn="ctr"/>
               <a:endParaRPr lang="en-US" dirty="0">
                 <a:solidFill>
                   <a:schemeClr val="tx1"/>
                 </a:solidFill>
               </a:endParaRPr>
             </a:p>
-            <a:p>
-              <a:pPr algn="ctr"/>
-              <a:r>
-                <a:rPr lang="en-US" dirty="0">
-                  <a:solidFill>
-                    <a:schemeClr val="tx1"/>
-                  </a:solidFill>
-                </a:rPr>
-                <a:t>4 bytes</a:t>
-              </a:r>
-            </a:p>
-            <a:p>
-              <a:pPr algn="ctr"/>
-              <a:r>
-                <a:rPr lang="en-US" dirty="0">
-                  <a:solidFill>
-                    <a:schemeClr val="tx1"/>
-                  </a:solidFill>
-                </a:rPr>
-                <a:t>each</a:t>
-              </a:r>
-            </a:p>
           </p:txBody>
         </p:sp>
       </p:grpSp>
-      <p:sp>
-        <p:nvSpPr>
-          <p:cNvPr id="35" name="TextBox 34"/>
-          <p:cNvSpPr txBox="1"/>
-          <p:nvPr/>
-        </p:nvSpPr>
-        <p:spPr>
-          <a:xfrm>
-            <a:off x="7414027" y="165438"/>
-            <a:ext cx="1246816" cy="369332"/>
-          </a:xfrm>
-          <a:prstGeom prst="rect">
-            <a:avLst/>
-          </a:prstGeom>
-          <a:noFill/>
-        </p:spPr>
-        <p:txBody>
-          <a:bodyPr wrap="none" rtlCol="0">
-            <a:spAutoFit/>
-          </a:bodyPr>
-          <a:lstStyle/>
-          <a:p>
-            <a:pPr algn="ctr"/>
-            <a:r>
-              <a:rPr lang="en-US" dirty="0"/>
-              <a:t>plane wave</a:t>
-            </a:r>
-          </a:p>
-        </p:txBody>
-      </p:sp>
+      <mc:AlternateContent xmlns:mc="http://schemas.openxmlformats.org/markup-compatibility/2006" xmlns:a14="http://schemas.microsoft.com/office/drawing/2010/main">
+        <mc:Choice Requires="a14">
+          <p:sp>
+            <p:nvSpPr>
+              <p:cNvPr id="35" name="TextBox 34"/>
+              <p:cNvSpPr txBox="1"/>
+              <p:nvPr/>
+            </p:nvSpPr>
+            <p:spPr>
+              <a:xfrm>
+                <a:off x="8790995" y="336298"/>
+                <a:ext cx="954107" cy="369332"/>
+              </a:xfrm>
+              <a:prstGeom prst="rect">
+                <a:avLst/>
+              </a:prstGeom>
+              <a:noFill/>
+            </p:spPr>
+            <p:txBody>
+              <a:bodyPr wrap="none" rtlCol="0">
+                <a:spAutoFit/>
+              </a:bodyPr>
+              <a:lstStyle/>
+              <a:p>
+                <a:pPr algn="ctr"/>
+                <a:r>
+                  <a:rPr lang="en-US" dirty="0"/>
+                  <a:t>LAYER </a:t>
+                </a:r>
+                <a14:m>
+                  <m:oMath xmlns:m="http://schemas.openxmlformats.org/officeDocument/2006/math">
+                    <m:r>
+                      <a:rPr lang="en-US" i="1" dirty="0" smtClean="0">
+                        <a:latin typeface="Cambria Math" panose="02040503050406030204" pitchFamily="18" charset="0"/>
+                      </a:rPr>
+                      <m:t>𝑙</m:t>
+                    </m:r>
+                    <m:r>
+                      <a:rPr lang="en-US" i="1" dirty="0">
+                        <a:latin typeface="Cambria Math" panose="02040503050406030204" pitchFamily="18" charset="0"/>
+                      </a:rPr>
+                      <m:t>𝑖</m:t>
+                    </m:r>
+                  </m:oMath>
+                </a14:m>
+                <a:endParaRPr lang="en-US" dirty="0"/>
+              </a:p>
+            </p:txBody>
+          </p:sp>
+        </mc:Choice>
+        <mc:Fallback xmlns="">
+          <p:sp>
+            <p:nvSpPr>
+              <p:cNvPr id="35" name="TextBox 34"/>
+              <p:cNvSpPr txBox="1">
+                <a:spLocks noRot="1" noChangeAspect="1" noMove="1" noResize="1" noEditPoints="1" noAdjustHandles="1" noChangeArrowheads="1" noChangeShapeType="1" noTextEdit="1"/>
+              </p:cNvSpPr>
+              <p:nvPr/>
+            </p:nvSpPr>
+            <p:spPr>
+              <a:xfrm>
+                <a:off x="8790995" y="336298"/>
+                <a:ext cx="954107" cy="369332"/>
+              </a:xfrm>
+              <a:prstGeom prst="rect">
+                <a:avLst/>
+              </a:prstGeom>
+              <a:blipFill>
+                <a:blip r:embed="rId7"/>
+                <a:stretch>
+                  <a:fillRect l="-5096" t="-8197" b="-24590"/>
+                </a:stretch>
+              </a:blipFill>
+            </p:spPr>
+            <p:txBody>
+              <a:bodyPr/>
+              <a:lstStyle/>
+              <a:p>
+                <a:r>
+                  <a:rPr lang="en-US">
+                    <a:noFill/>
+                  </a:rPr>
+                  <a:t> </a:t>
+                </a:r>
+              </a:p>
+            </p:txBody>
+          </p:sp>
+        </mc:Fallback>
+      </mc:AlternateContent>
       <p:cxnSp>
         <p:nvCxnSpPr>
           <p:cNvPr id="37" name="Elbow Connector 36"/>
           <p:cNvCxnSpPr>
             <a:cxnSpLocks/>
-            <a:stCxn id="4" idx="3"/>
+            <a:stCxn id="5" idx="3"/>
             <a:endCxn id="66" idx="1"/>
           </p:cNvCxnSpPr>
           <p:nvPr/>
         </p:nvCxnSpPr>
         <p:spPr>
-          <a:xfrm>
-            <a:off x="2266166" y="1402847"/>
-            <a:ext cx="1188378" cy="1932511"/>
+          <a:xfrm flipV="1">
+            <a:off x="3274231" y="3624732"/>
+            <a:ext cx="801540" cy="827110"/>
           </a:xfrm>
           <a:prstGeom prst="bentConnector3">
             <a:avLst>
@@ -4887,17 +4366,19 @@
           <p:cNvCxnSpPr>
             <a:cxnSpLocks/>
             <a:stCxn id="25" idx="3"/>
-            <a:endCxn id="32" idx="1"/>
+            <a:endCxn id="27" idx="1"/>
           </p:cNvCxnSpPr>
           <p:nvPr/>
         </p:nvCxnSpPr>
         <p:spPr>
           <a:xfrm flipV="1">
-            <a:off x="6240156" y="3225413"/>
-            <a:ext cx="1128594" cy="575176"/>
+            <a:off x="6861383" y="1153713"/>
+            <a:ext cx="983226" cy="2817173"/>
           </a:xfrm>
           <a:prstGeom prst="bentConnector3">
-            <a:avLst/>
+            <a:avLst>
+              <a:gd name="adj1" fmla="val 50000"/>
+            </a:avLst>
           </a:prstGeom>
           <a:ln w="38100">
             <a:solidFill>
@@ -4921,101 +4402,227 @@
           </a:fontRef>
         </p:style>
       </p:cxnSp>
+      <p:cxnSp>
+        <p:nvCxnSpPr>
+          <p:cNvPr id="22" name="Straight Connector 21">
+            <a:extLst>
+              <a:ext uri="{FF2B5EF4-FFF2-40B4-BE49-F238E27FC236}">
+                <a16:creationId xmlns:a16="http://schemas.microsoft.com/office/drawing/2014/main" id="{6BA39F56-81A0-4A2A-88C4-CAA0372311B3}"/>
+              </a:ext>
+            </a:extLst>
+          </p:cNvPr>
+          <p:cNvCxnSpPr>
+            <a:cxnSpLocks/>
+          </p:cNvCxnSpPr>
+          <p:nvPr/>
+        </p:nvCxnSpPr>
+        <p:spPr>
+          <a:xfrm>
+            <a:off x="7844610" y="3219187"/>
+            <a:ext cx="2846872" cy="0"/>
+          </a:xfrm>
+          <a:prstGeom prst="line">
+            <a:avLst/>
+          </a:prstGeom>
+        </p:spPr>
+        <p:style>
+          <a:lnRef idx="1">
+            <a:schemeClr val="dk1"/>
+          </a:lnRef>
+          <a:fillRef idx="0">
+            <a:schemeClr val="dk1"/>
+          </a:fillRef>
+          <a:effectRef idx="0">
+            <a:schemeClr val="dk1"/>
+          </a:effectRef>
+          <a:fontRef idx="minor">
+            <a:schemeClr val="tx1"/>
+          </a:fontRef>
+        </p:style>
+      </p:cxnSp>
+      <p:cxnSp>
+        <p:nvCxnSpPr>
+          <p:cNvPr id="46" name="Straight Connector 45">
+            <a:extLst>
+              <a:ext uri="{FF2B5EF4-FFF2-40B4-BE49-F238E27FC236}">
+                <a16:creationId xmlns:a16="http://schemas.microsoft.com/office/drawing/2014/main" id="{C92E05F6-F2B4-407B-90D3-4CA25694C1F2}"/>
+              </a:ext>
+            </a:extLst>
+          </p:cNvPr>
+          <p:cNvCxnSpPr>
+            <a:cxnSpLocks/>
+          </p:cNvCxnSpPr>
+          <p:nvPr/>
+        </p:nvCxnSpPr>
+        <p:spPr>
+          <a:xfrm>
+            <a:off x="7844610" y="3813106"/>
+            <a:ext cx="2846872" cy="0"/>
+          </a:xfrm>
+          <a:prstGeom prst="line">
+            <a:avLst/>
+          </a:prstGeom>
+        </p:spPr>
+        <p:style>
+          <a:lnRef idx="1">
+            <a:schemeClr val="dk1"/>
+          </a:lnRef>
+          <a:fillRef idx="0">
+            <a:schemeClr val="dk1"/>
+          </a:fillRef>
+          <a:effectRef idx="0">
+            <a:schemeClr val="dk1"/>
+          </a:effectRef>
+          <a:fontRef idx="minor">
+            <a:schemeClr val="tx1"/>
+          </a:fontRef>
+        </p:style>
+      </p:cxnSp>
+      <p:cxnSp>
+        <p:nvCxnSpPr>
+          <p:cNvPr id="47" name="Straight Connector 46">
+            <a:extLst>
+              <a:ext uri="{FF2B5EF4-FFF2-40B4-BE49-F238E27FC236}">
+                <a16:creationId xmlns:a16="http://schemas.microsoft.com/office/drawing/2014/main" id="{6BA39F56-81A0-4A2A-88C4-CAA0372311B3}"/>
+              </a:ext>
+            </a:extLst>
+          </p:cNvPr>
+          <p:cNvCxnSpPr>
+            <a:cxnSpLocks/>
+          </p:cNvCxnSpPr>
+          <p:nvPr/>
+        </p:nvCxnSpPr>
+        <p:spPr>
+          <a:xfrm>
+            <a:off x="7844610" y="5145958"/>
+            <a:ext cx="2846872" cy="0"/>
+          </a:xfrm>
+          <a:prstGeom prst="line">
+            <a:avLst/>
+          </a:prstGeom>
+        </p:spPr>
+        <p:style>
+          <a:lnRef idx="1">
+            <a:schemeClr val="dk1"/>
+          </a:lnRef>
+          <a:fillRef idx="0">
+            <a:schemeClr val="dk1"/>
+          </a:fillRef>
+          <a:effectRef idx="0">
+            <a:schemeClr val="dk1"/>
+          </a:effectRef>
+          <a:fontRef idx="minor">
+            <a:schemeClr val="tx1"/>
+          </a:fontRef>
+        </p:style>
+      </p:cxnSp>
+      <p:cxnSp>
+        <p:nvCxnSpPr>
+          <p:cNvPr id="48" name="Straight Connector 47">
+            <a:extLst>
+              <a:ext uri="{FF2B5EF4-FFF2-40B4-BE49-F238E27FC236}">
+                <a16:creationId xmlns:a16="http://schemas.microsoft.com/office/drawing/2014/main" id="{6BA39F56-81A0-4A2A-88C4-CAA0372311B3}"/>
+              </a:ext>
+            </a:extLst>
+          </p:cNvPr>
+          <p:cNvCxnSpPr>
+            <a:cxnSpLocks/>
+          </p:cNvCxnSpPr>
+          <p:nvPr/>
+        </p:nvCxnSpPr>
+        <p:spPr>
+          <a:xfrm>
+            <a:off x="7844610" y="5752448"/>
+            <a:ext cx="2846872" cy="0"/>
+          </a:xfrm>
+          <a:prstGeom prst="line">
+            <a:avLst/>
+          </a:prstGeom>
+        </p:spPr>
+        <p:style>
+          <a:lnRef idx="1">
+            <a:schemeClr val="dk1"/>
+          </a:lnRef>
+          <a:fillRef idx="0">
+            <a:schemeClr val="dk1"/>
+          </a:fillRef>
+          <a:effectRef idx="0">
+            <a:schemeClr val="dk1"/>
+          </a:effectRef>
+          <a:fontRef idx="minor">
+            <a:schemeClr val="tx1"/>
+          </a:fontRef>
+        </p:style>
+      </p:cxnSp>
       <mc:AlternateContent xmlns:mc="http://schemas.openxmlformats.org/markup-compatibility/2006" xmlns:a14="http://schemas.microsoft.com/office/drawing/2010/main">
         <mc:Choice Requires="a14">
           <p:sp>
             <p:nvSpPr>
-              <p:cNvPr id="58" name="Rectangle 57"/>
-              <p:cNvSpPr/>
+              <p:cNvPr id="62" name="TextBox 61">
+                <a:extLst>
+                  <a:ext uri="{FF2B5EF4-FFF2-40B4-BE49-F238E27FC236}">
+                    <a16:creationId xmlns:a16="http://schemas.microsoft.com/office/drawing/2014/main" id="{4D0EB4B8-EF7B-4BA0-A13D-07C4BBF81FC1}"/>
+                  </a:ext>
+                </a:extLst>
+              </p:cNvPr>
+              <p:cNvSpPr txBox="1"/>
               <p:nvPr/>
             </p:nvSpPr>
             <p:spPr>
               <a:xfrm>
-                <a:off x="9113435" y="1818780"/>
-                <a:ext cx="1337359" cy="231807"/>
+                <a:off x="7963523" y="2677702"/>
+                <a:ext cx="3276050" cy="430887"/>
               </a:xfrm>
               <a:prstGeom prst="rect">
                 <a:avLst/>
               </a:prstGeom>
-              <a:solidFill>
-                <a:schemeClr val="bg1"/>
-              </a:solidFill>
-              <a:ln>
-                <a:solidFill>
-                  <a:schemeClr val="tx1"/>
-                </a:solidFill>
-                <a:prstDash val="sysDash"/>
-              </a:ln>
+              <a:noFill/>
             </p:spPr>
-            <p:style>
-              <a:lnRef idx="2">
-                <a:schemeClr val="accent1">
-                  <a:shade val="50000"/>
-                </a:schemeClr>
-              </a:lnRef>
-              <a:fillRef idx="1">
-                <a:schemeClr val="accent1"/>
-              </a:fillRef>
-              <a:effectRef idx="0">
-                <a:schemeClr val="accent1"/>
-              </a:effectRef>
-              <a:fontRef idx="minor">
-                <a:schemeClr val="lt1"/>
-              </a:fontRef>
-            </p:style>
             <p:txBody>
-              <a:bodyPr rtlCol="0" anchor="ctr"/>
+              <a:bodyPr wrap="square">
+                <a:spAutoFit/>
+              </a:bodyPr>
               <a:lstStyle/>
               <a:p>
-                <a:pPr algn="ctr"/>
+                <a:r>
+                  <a:rPr lang="en-US" sz="1100" dirty="0">
+                    <a:latin typeface="Consolas" panose="020B0609020204030204" pitchFamily="49" charset="0"/>
+                  </a:rPr>
+                  <a:t>#Transmission </a:t>
+                </a:r>
                 <a14:m>
-                  <m:oMathPara xmlns:m="http://schemas.openxmlformats.org/officeDocument/2006/math">
-                    <m:oMathParaPr>
-                      <m:jc m:val="centerGroup"/>
-                    </m:oMathParaPr>
-                    <m:oMath xmlns:m="http://schemas.openxmlformats.org/officeDocument/2006/math">
-                      <m:sSub>
-                        <m:sSubPr>
-                          <m:ctrlPr>
-                            <a:rPr lang="en-US" b="0" i="1" smtClean="0">
-                              <a:solidFill>
-                                <a:schemeClr val="tx1"/>
-                              </a:solidFill>
-                              <a:latin typeface="Cambria Math" panose="02040503050406030204" pitchFamily="18" charset="0"/>
-                            </a:rPr>
-                          </m:ctrlPr>
-                        </m:sSubPr>
-                        <m:e>
-                          <m:r>
-                            <a:rPr lang="en-US" b="0" i="1" smtClean="0">
-                              <a:solidFill>
-                                <a:schemeClr val="tx1"/>
-                              </a:solidFill>
-                              <a:latin typeface="Cambria Math" panose="02040503050406030204" pitchFamily="18" charset="0"/>
-                            </a:rPr>
-                            <m:t>𝑝</m:t>
-                          </m:r>
-                        </m:e>
-                        <m:sub>
-                          <m:r>
-                            <a:rPr lang="en-US" b="0" i="1" smtClean="0">
-                              <a:solidFill>
-                                <a:schemeClr val="tx1"/>
-                              </a:solidFill>
-                              <a:latin typeface="Cambria Math" panose="02040503050406030204" pitchFamily="18" charset="0"/>
-                            </a:rPr>
-                            <m:t>𝑖</m:t>
-                          </m:r>
-                        </m:sub>
-                      </m:sSub>
-                    </m:oMath>
-                  </m:oMathPara>
+                  <m:oMath xmlns:m="http://schemas.openxmlformats.org/officeDocument/2006/math">
+                    <m:r>
+                      <a:rPr lang="en-US" sz="1100" i="1" dirty="0" smtClean="0">
+                        <a:latin typeface="Cambria Math" panose="02040503050406030204" pitchFamily="18" charset="0"/>
+                      </a:rPr>
+                      <m:t>𝑃𝑡</m:t>
+                    </m:r>
+                    <m:r>
+                      <a:rPr lang="en-US" sz="1100" i="1" dirty="0" smtClean="0">
+                        <a:latin typeface="Cambria Math" panose="02040503050406030204" pitchFamily="18" charset="0"/>
+                      </a:rPr>
+                      <m:t>_</m:t>
+                    </m:r>
+                    <m:r>
+                      <a:rPr lang="en-US" sz="1100" i="1" dirty="0" smtClean="0">
+                        <a:latin typeface="Cambria Math" panose="02040503050406030204" pitchFamily="18" charset="0"/>
+                      </a:rPr>
+                      <m:t>𝑥</m:t>
+                    </m:r>
+                  </m:oMath>
                 </a14:m>
-                <a:endParaRPr lang="en-US" dirty="0">
-                  <a:solidFill>
-                    <a:schemeClr val="tx1"/>
-                  </a:solidFill>
+                <a:endParaRPr lang="en-US" sz="1100" dirty="0">
+                  <a:latin typeface="Consolas" panose="020B0609020204030204" pitchFamily="49" charset="0"/>
                 </a:endParaRPr>
+              </a:p>
+              <a:p>
+                <a:r>
+                  <a:rPr lang="en-US" sz="1100" dirty="0">
+                    <a:latin typeface="Consolas" panose="020B0609020204030204" pitchFamily="49" charset="0"/>
+                  </a:rPr>
+                  <a:t>        16 bytes complex&lt;double&gt;</a:t>
+                </a:r>
               </a:p>
             </p:txBody>
           </p:sp>
@@ -5023,32 +4630,32 @@
         <mc:Fallback xmlns="">
           <p:sp>
             <p:nvSpPr>
-              <p:cNvPr id="58" name="Rectangle 57"/>
-              <p:cNvSpPr>
+              <p:cNvPr id="62" name="TextBox 61">
+                <a:extLst>
+                  <a:ext uri="{FF2B5EF4-FFF2-40B4-BE49-F238E27FC236}">
+                    <a16:creationId xmlns:a16="http://schemas.microsoft.com/office/drawing/2014/main" id="{4D0EB4B8-EF7B-4BA0-A13D-07C4BBF81FC1}"/>
+                  </a:ext>
+                </a:extLst>
+              </p:cNvPr>
+              <p:cNvSpPr txBox="1">
                 <a:spLocks noRot="1" noChangeAspect="1" noMove="1" noResize="1" noEditPoints="1" noAdjustHandles="1" noChangeArrowheads="1" noChangeShapeType="1" noTextEdit="1"/>
               </p:cNvSpPr>
               <p:nvPr/>
             </p:nvSpPr>
             <p:spPr>
               <a:xfrm>
-                <a:off x="9113435" y="1818780"/>
-                <a:ext cx="1337359" cy="231807"/>
+                <a:off x="7963523" y="2677702"/>
+                <a:ext cx="3276050" cy="430887"/>
               </a:xfrm>
               <a:prstGeom prst="rect">
                 <a:avLst/>
               </a:prstGeom>
               <a:blipFill>
-                <a:blip r:embed="rId12"/>
+                <a:blip r:embed="rId8"/>
                 <a:stretch>
-                  <a:fillRect b="-37500"/>
+                  <a:fillRect b="-8451"/>
                 </a:stretch>
               </a:blipFill>
-              <a:ln>
-                <a:solidFill>
-                  <a:schemeClr val="tx1"/>
-                </a:solidFill>
-                <a:prstDash val="sysDash"/>
-              </a:ln>
             </p:spPr>
             <p:txBody>
               <a:bodyPr/>
@@ -5065,123 +4672,108 @@
           </p:sp>
         </mc:Fallback>
       </mc:AlternateContent>
-      <mc:AlternateContent xmlns:mc="http://schemas.openxmlformats.org/markup-compatibility/2006" xmlns:a14="http://schemas.microsoft.com/office/drawing/2010/main">
-        <mc:Choice Requires="a14">
+      <mc:AlternateContent xmlns:mc="http://schemas.openxmlformats.org/markup-compatibility/2006">
+        <mc:Choice xmlns:a14="http://schemas.microsoft.com/office/drawing/2010/main" Requires="a14">
           <p:sp>
             <p:nvSpPr>
-              <p:cNvPr id="59" name="Rectangle 58"/>
-              <p:cNvSpPr/>
+              <p:cNvPr id="64" name="TextBox 63">
+                <a:extLst>
+                  <a:ext uri="{FF2B5EF4-FFF2-40B4-BE49-F238E27FC236}">
+                    <a16:creationId xmlns:a16="http://schemas.microsoft.com/office/drawing/2014/main" id="{70E29E7D-008E-4174-A990-B94AA3393C48}"/>
+                  </a:ext>
+                </a:extLst>
+              </p:cNvPr>
+              <p:cNvSpPr txBox="1"/>
               <p:nvPr/>
             </p:nvSpPr>
             <p:spPr>
               <a:xfrm>
-                <a:off x="10811099" y="1234727"/>
-                <a:ext cx="1337359" cy="349979"/>
+                <a:off x="7958057" y="3324227"/>
+                <a:ext cx="2915111" cy="430887"/>
               </a:xfrm>
               <a:prstGeom prst="rect">
                 <a:avLst/>
               </a:prstGeom>
-              <a:solidFill>
-                <a:schemeClr val="accent6">
-                  <a:lumMod val="20000"/>
-                  <a:lumOff val="80000"/>
-                </a:schemeClr>
-              </a:solidFill>
-              <a:ln>
-                <a:solidFill>
-                  <a:schemeClr val="accent6">
-                    <a:lumMod val="50000"/>
-                  </a:schemeClr>
-                </a:solidFill>
-                <a:prstDash val="solid"/>
-              </a:ln>
+              <a:noFill/>
             </p:spPr>
-            <p:style>
-              <a:lnRef idx="2">
-                <a:schemeClr val="accent1">
-                  <a:shade val="50000"/>
-                </a:schemeClr>
-              </a:lnRef>
-              <a:fillRef idx="1">
-                <a:schemeClr val="accent1"/>
-              </a:fillRef>
-              <a:effectRef idx="0">
-                <a:schemeClr val="accent1"/>
-              </a:effectRef>
-              <a:fontRef idx="minor">
-                <a:schemeClr val="lt1"/>
-              </a:fontRef>
-            </p:style>
             <p:txBody>
-              <a:bodyPr rtlCol="0" anchor="ctr"/>
+              <a:bodyPr wrap="square">
+                <a:spAutoFit/>
+              </a:bodyPr>
               <a:lstStyle/>
               <a:p>
-                <a:pPr algn="ctr"/>
+                <a:r>
+                  <a:rPr lang="en-US" sz="1100" dirty="0">
+                    <a:latin typeface="Consolas" panose="020B0609020204030204" pitchFamily="49" charset="0"/>
+                  </a:rPr>
+                  <a:t>#Transmission </a:t>
+                </a:r>
                 <a14:m>
                   <m:oMath xmlns:m="http://schemas.openxmlformats.org/officeDocument/2006/math">
                     <m:r>
-                      <a:rPr lang="en-US" b="0" i="1" smtClean="0">
-                        <a:solidFill>
-                          <a:schemeClr val="tx1"/>
-                        </a:solidFill>
+                      <a:rPr lang="en-US" sz="1100" i="1" dirty="0" smtClean="0">
                         <a:latin typeface="Cambria Math" panose="02040503050406030204" pitchFamily="18" charset="0"/>
                       </a:rPr>
-                      <m:t>𝑥</m:t>
+                      <m:t>𝑃𝑡</m:t>
+                    </m:r>
+                    <m:r>
+                      <a:rPr lang="en-US" sz="1100" i="1" dirty="0" smtClean="0">
+                        <a:latin typeface="Cambria Math" panose="02040503050406030204" pitchFamily="18" charset="0"/>
+                      </a:rPr>
+                      <m:t>_</m:t>
+                    </m:r>
+                    <m:r>
+                      <a:rPr lang="en-US" sz="1100" i="1" dirty="0" smtClean="0">
+                        <a:latin typeface="Cambria Math" panose="02040503050406030204" pitchFamily="18" charset="0"/>
+                      </a:rPr>
+                      <m:t>𝑦</m:t>
                     </m:r>
                   </m:oMath>
                 </a14:m>
+                <a:endParaRPr lang="en-US" sz="1100" i="1" dirty="0">
+                  <a:latin typeface="Cambria Math" panose="02040503050406030204" pitchFamily="18" charset="0"/>
+                </a:endParaRPr>
+              </a:p>
+              <a:p>
                 <a:r>
-                  <a:rPr lang="en-US" dirty="0">
-                    <a:solidFill>
-                      <a:schemeClr val="tx1"/>
-                    </a:solidFill>
-                  </a:rPr>
-                  <a:t> </a:t>
-                </a:r>
-                <a:r>
-                  <a:rPr lang="en-US" dirty="0">
-                    <a:solidFill>
-                      <a:schemeClr val="tx1"/>
-                    </a:solidFill>
+                  <a:rPr lang="en-US" sz="1100" dirty="0">
                     <a:latin typeface="Consolas" panose="020B0609020204030204" pitchFamily="49" charset="0"/>
                   </a:rPr>
-                  <a:t>float</a:t>
+                  <a:t>        16 bytes complex&lt;double&gt;</a:t>
                 </a:r>
               </a:p>
             </p:txBody>
           </p:sp>
         </mc:Choice>
-        <mc:Fallback xmlns="">
+        <mc:Fallback>
           <p:sp>
             <p:nvSpPr>
-              <p:cNvPr id="59" name="Rectangle 58"/>
-              <p:cNvSpPr>
+              <p:cNvPr id="64" name="TextBox 63">
+                <a:extLst>
+                  <a:ext uri="{FF2B5EF4-FFF2-40B4-BE49-F238E27FC236}">
+                    <a16:creationId xmlns:a16="http://schemas.microsoft.com/office/drawing/2014/main" id="{70E29E7D-008E-4174-A990-B94AA3393C48}"/>
+                  </a:ext>
+                </a:extLst>
+              </p:cNvPr>
+              <p:cNvSpPr txBox="1">
                 <a:spLocks noRot="1" noChangeAspect="1" noMove="1" noResize="1" noEditPoints="1" noAdjustHandles="1" noChangeArrowheads="1" noChangeShapeType="1" noTextEdit="1"/>
               </p:cNvSpPr>
               <p:nvPr/>
             </p:nvSpPr>
             <p:spPr>
               <a:xfrm>
-                <a:off x="10811099" y="1234727"/>
-                <a:ext cx="1337359" cy="349979"/>
+                <a:off x="7958057" y="3324227"/>
+                <a:ext cx="2915111" cy="430887"/>
               </a:xfrm>
               <a:prstGeom prst="rect">
                 <a:avLst/>
               </a:prstGeom>
               <a:blipFill>
-                <a:blip r:embed="rId13"/>
+                <a:blip r:embed="rId9"/>
                 <a:stretch>
-                  <a:fillRect t="-10169" b="-27119"/>
+                  <a:fillRect b="-8451"/>
                 </a:stretch>
               </a:blipFill>
-              <a:ln>
-                <a:solidFill>
-                  <a:schemeClr val="accent6">
-                    <a:lumMod val="50000"/>
-                  </a:schemeClr>
-                </a:solidFill>
-                <a:prstDash val="solid"/>
-              </a:ln>
             </p:spPr>
             <p:txBody>
               <a:bodyPr/>
@@ -5198,128 +4790,108 @@
           </p:sp>
         </mc:Fallback>
       </mc:AlternateContent>
-      <mc:AlternateContent xmlns:mc="http://schemas.openxmlformats.org/markup-compatibility/2006" xmlns:a14="http://schemas.microsoft.com/office/drawing/2010/main">
-        <mc:Choice Requires="a14">
+      <mc:AlternateContent xmlns:mc="http://schemas.openxmlformats.org/markup-compatibility/2006">
+        <mc:Choice xmlns:a14="http://schemas.microsoft.com/office/drawing/2010/main" Requires="a14">
           <p:sp>
             <p:nvSpPr>
-              <p:cNvPr id="60" name="Rectangle 59"/>
-              <p:cNvSpPr/>
+              <p:cNvPr id="53" name="TextBox 52">
+                <a:extLst>
+                  <a:ext uri="{FF2B5EF4-FFF2-40B4-BE49-F238E27FC236}">
+                    <a16:creationId xmlns:a16="http://schemas.microsoft.com/office/drawing/2014/main" id="{74DDA915-15E8-464F-BAA4-7DF597B729E4}"/>
+                  </a:ext>
+                </a:extLst>
+              </p:cNvPr>
+              <p:cNvSpPr txBox="1"/>
               <p:nvPr/>
             </p:nvSpPr>
             <p:spPr>
               <a:xfrm>
-                <a:off x="10811098" y="1584706"/>
-                <a:ext cx="1337359" cy="349979"/>
+                <a:off x="7900937" y="3934687"/>
+                <a:ext cx="2915111" cy="430887"/>
               </a:xfrm>
               <a:prstGeom prst="rect">
                 <a:avLst/>
               </a:prstGeom>
-              <a:solidFill>
-                <a:schemeClr val="accent6">
-                  <a:lumMod val="20000"/>
-                  <a:lumOff val="80000"/>
-                </a:schemeClr>
-              </a:solidFill>
-              <a:ln>
-                <a:solidFill>
-                  <a:schemeClr val="accent6">
-                    <a:lumMod val="50000"/>
-                  </a:schemeClr>
-                </a:solidFill>
-                <a:prstDash val="solid"/>
-              </a:ln>
+              <a:noFill/>
             </p:spPr>
-            <p:style>
-              <a:lnRef idx="2">
-                <a:schemeClr val="accent1">
-                  <a:shade val="50000"/>
-                </a:schemeClr>
-              </a:lnRef>
-              <a:fillRef idx="1">
-                <a:schemeClr val="accent1"/>
-              </a:fillRef>
-              <a:effectRef idx="0">
-                <a:schemeClr val="accent1"/>
-              </a:effectRef>
-              <a:fontRef idx="minor">
-                <a:schemeClr val="lt1"/>
-              </a:fontRef>
-            </p:style>
             <p:txBody>
-              <a:bodyPr rtlCol="0" anchor="ctr"/>
+              <a:bodyPr wrap="square">
+                <a:spAutoFit/>
+              </a:bodyPr>
               <a:lstStyle/>
               <a:p>
-                <a:pPr algn="ctr"/>
+                <a:r>
+                  <a:rPr lang="en-US" sz="1100" dirty="0">
+                    <a:latin typeface="Consolas" panose="020B0609020204030204" pitchFamily="49" charset="0"/>
+                  </a:rPr>
+                  <a:t>#Transmission </a:t>
+                </a:r>
                 <a14:m>
                   <m:oMath xmlns:m="http://schemas.openxmlformats.org/officeDocument/2006/math">
                     <m:r>
-                      <a:rPr lang="en-US" b="0" i="1" smtClean="0">
-                        <a:solidFill>
-                          <a:schemeClr val="tx1"/>
-                        </a:solidFill>
+                      <a:rPr lang="en-US" sz="1100" i="1" dirty="0" smtClean="0">
                         <a:latin typeface="Cambria Math" panose="02040503050406030204" pitchFamily="18" charset="0"/>
                       </a:rPr>
-                      <m:t>𝑦</m:t>
+                      <m:t>𝑃𝑡</m:t>
+                    </m:r>
+                    <m:r>
+                      <a:rPr lang="en-US" sz="1100" i="1" dirty="0" smtClean="0">
+                        <a:latin typeface="Cambria Math" panose="02040503050406030204" pitchFamily="18" charset="0"/>
+                      </a:rPr>
+                      <m:t>_</m:t>
+                    </m:r>
+                    <m:r>
+                      <a:rPr lang="en-US" sz="1100" i="1" dirty="0" smtClean="0">
+                        <a:latin typeface="Cambria Math" panose="02040503050406030204" pitchFamily="18" charset="0"/>
+                      </a:rPr>
+                      <m:t>𝑧</m:t>
                     </m:r>
                   </m:oMath>
                 </a14:m>
+                <a:endParaRPr lang="en-US" sz="1100" i="1" dirty="0">
+                  <a:latin typeface="Cambria Math" panose="02040503050406030204" pitchFamily="18" charset="0"/>
+                </a:endParaRPr>
+              </a:p>
+              <a:p>
                 <a:r>
-                  <a:rPr lang="en-US" dirty="0">
-                    <a:solidFill>
-                      <a:schemeClr val="tx1"/>
-                    </a:solidFill>
-                  </a:rPr>
-                  <a:t> </a:t>
-                </a:r>
-                <a:r>
-                  <a:rPr lang="en-US" dirty="0">
-                    <a:solidFill>
-                      <a:schemeClr val="tx1"/>
-                    </a:solidFill>
+                  <a:rPr lang="en-US" sz="1100" dirty="0">
                     <a:latin typeface="Consolas" panose="020B0609020204030204" pitchFamily="49" charset="0"/>
                   </a:rPr>
-                  <a:t>float</a:t>
+                  <a:t>        16 bytes complex&lt;double&gt;</a:t>
                 </a:r>
-                <a:endParaRPr lang="en-US" dirty="0">
-                  <a:solidFill>
-                    <a:schemeClr val="tx1"/>
-                  </a:solidFill>
-                </a:endParaRPr>
               </a:p>
             </p:txBody>
           </p:sp>
         </mc:Choice>
-        <mc:Fallback xmlns="">
+        <mc:Fallback>
           <p:sp>
             <p:nvSpPr>
-              <p:cNvPr id="60" name="Rectangle 59"/>
-              <p:cNvSpPr>
+              <p:cNvPr id="53" name="TextBox 52">
+                <a:extLst>
+                  <a:ext uri="{FF2B5EF4-FFF2-40B4-BE49-F238E27FC236}">
+                    <a16:creationId xmlns:a16="http://schemas.microsoft.com/office/drawing/2014/main" id="{74DDA915-15E8-464F-BAA4-7DF597B729E4}"/>
+                  </a:ext>
+                </a:extLst>
+              </p:cNvPr>
+              <p:cNvSpPr txBox="1">
                 <a:spLocks noRot="1" noChangeAspect="1" noMove="1" noResize="1" noEditPoints="1" noAdjustHandles="1" noChangeArrowheads="1" noChangeShapeType="1" noTextEdit="1"/>
               </p:cNvSpPr>
               <p:nvPr/>
             </p:nvSpPr>
             <p:spPr>
               <a:xfrm>
-                <a:off x="10811098" y="1584706"/>
-                <a:ext cx="1337359" cy="349979"/>
+                <a:off x="7900937" y="3934687"/>
+                <a:ext cx="2915111" cy="430887"/>
               </a:xfrm>
               <a:prstGeom prst="rect">
                 <a:avLst/>
               </a:prstGeom>
               <a:blipFill>
-                <a:blip r:embed="rId14"/>
+                <a:blip r:embed="rId10"/>
                 <a:stretch>
-                  <a:fillRect t="-10169" b="-28814"/>
+                  <a:fillRect b="-8451"/>
                 </a:stretch>
               </a:blipFill>
-              <a:ln>
-                <a:solidFill>
-                  <a:schemeClr val="accent6">
-                    <a:lumMod val="50000"/>
-                  </a:schemeClr>
-                </a:solidFill>
-                <a:prstDash val="solid"/>
-              </a:ln>
             </p:spPr>
             <p:txBody>
               <a:bodyPr/>
@@ -5336,128 +4908,202 @@
           </p:sp>
         </mc:Fallback>
       </mc:AlternateContent>
-      <mc:AlternateContent xmlns:mc="http://schemas.openxmlformats.org/markup-compatibility/2006" xmlns:a14="http://schemas.microsoft.com/office/drawing/2010/main">
-        <mc:Choice Requires="a14">
+      <mc:AlternateContent xmlns:mc="http://schemas.openxmlformats.org/markup-compatibility/2006">
+        <mc:Choice xmlns:a14="http://schemas.microsoft.com/office/drawing/2010/main" Requires="a14">
           <p:sp>
             <p:nvSpPr>
-              <p:cNvPr id="61" name="Rectangle 60"/>
-              <p:cNvSpPr/>
+              <p:cNvPr id="70" name="TextBox 63">
+                <a:extLst>
+                  <a:ext uri="{FF2B5EF4-FFF2-40B4-BE49-F238E27FC236}">
+                    <a16:creationId xmlns:a16="http://schemas.microsoft.com/office/drawing/2014/main" id="{70E29E7D-008E-4174-A990-B94AA3393C48}"/>
+                  </a:ext>
+                </a:extLst>
+              </p:cNvPr>
+              <p:cNvSpPr txBox="1"/>
               <p:nvPr/>
             </p:nvSpPr>
             <p:spPr>
               <a:xfrm>
-                <a:off x="10811097" y="1934684"/>
-                <a:ext cx="1337359" cy="349979"/>
+                <a:off x="7958057" y="4561371"/>
+                <a:ext cx="2915111" cy="430887"/>
               </a:xfrm>
               <a:prstGeom prst="rect">
                 <a:avLst/>
               </a:prstGeom>
-              <a:solidFill>
-                <a:schemeClr val="accent6">
-                  <a:lumMod val="20000"/>
-                  <a:lumOff val="80000"/>
-                </a:schemeClr>
-              </a:solidFill>
-              <a:ln>
-                <a:solidFill>
-                  <a:schemeClr val="accent6">
-                    <a:lumMod val="50000"/>
-                  </a:schemeClr>
-                </a:solidFill>
-                <a:prstDash val="solid"/>
-              </a:ln>
+              <a:noFill/>
             </p:spPr>
-            <p:style>
-              <a:lnRef idx="2">
-                <a:schemeClr val="accent1">
-                  <a:shade val="50000"/>
-                </a:schemeClr>
-              </a:lnRef>
-              <a:fillRef idx="1">
-                <a:schemeClr val="accent1"/>
-              </a:fillRef>
-              <a:effectRef idx="0">
-                <a:schemeClr val="accent1"/>
-              </a:effectRef>
-              <a:fontRef idx="minor">
-                <a:schemeClr val="lt1"/>
-              </a:fontRef>
-            </p:style>
             <p:txBody>
-              <a:bodyPr rtlCol="0" anchor="ctr"/>
-              <a:lstStyle/>
+              <a:bodyPr wrap="square">
+                <a:spAutoFit/>
+              </a:bodyPr>
+              <a:lstStyle>
+                <a:defPPr>
+                  <a:defRPr lang="en-US"/>
+                </a:defPPr>
+                <a:lvl1pPr marL="0" algn="l" defTabSz="914400" rtl="0" eaLnBrk="1" latinLnBrk="0" hangingPunct="1">
+                  <a:defRPr sz="1800" kern="1200">
+                    <a:solidFill>
+                      <a:schemeClr val="tx1"/>
+                    </a:solidFill>
+                    <a:latin typeface="+mn-lt"/>
+                    <a:ea typeface="+mn-ea"/>
+                    <a:cs typeface="+mn-cs"/>
+                  </a:defRPr>
+                </a:lvl1pPr>
+                <a:lvl2pPr marL="457200" algn="l" defTabSz="914400" rtl="0" eaLnBrk="1" latinLnBrk="0" hangingPunct="1">
+                  <a:defRPr sz="1800" kern="1200">
+                    <a:solidFill>
+                      <a:schemeClr val="tx1"/>
+                    </a:solidFill>
+                    <a:latin typeface="+mn-lt"/>
+                    <a:ea typeface="+mn-ea"/>
+                    <a:cs typeface="+mn-cs"/>
+                  </a:defRPr>
+                </a:lvl2pPr>
+                <a:lvl3pPr marL="914400" algn="l" defTabSz="914400" rtl="0" eaLnBrk="1" latinLnBrk="0" hangingPunct="1">
+                  <a:defRPr sz="1800" kern="1200">
+                    <a:solidFill>
+                      <a:schemeClr val="tx1"/>
+                    </a:solidFill>
+                    <a:latin typeface="+mn-lt"/>
+                    <a:ea typeface="+mn-ea"/>
+                    <a:cs typeface="+mn-cs"/>
+                  </a:defRPr>
+                </a:lvl3pPr>
+                <a:lvl4pPr marL="1371600" algn="l" defTabSz="914400" rtl="0" eaLnBrk="1" latinLnBrk="0" hangingPunct="1">
+                  <a:defRPr sz="1800" kern="1200">
+                    <a:solidFill>
+                      <a:schemeClr val="tx1"/>
+                    </a:solidFill>
+                    <a:latin typeface="+mn-lt"/>
+                    <a:ea typeface="+mn-ea"/>
+                    <a:cs typeface="+mn-cs"/>
+                  </a:defRPr>
+                </a:lvl4pPr>
+                <a:lvl5pPr marL="1828800" algn="l" defTabSz="914400" rtl="0" eaLnBrk="1" latinLnBrk="0" hangingPunct="1">
+                  <a:defRPr sz="1800" kern="1200">
+                    <a:solidFill>
+                      <a:schemeClr val="tx1"/>
+                    </a:solidFill>
+                    <a:latin typeface="+mn-lt"/>
+                    <a:ea typeface="+mn-ea"/>
+                    <a:cs typeface="+mn-cs"/>
+                  </a:defRPr>
+                </a:lvl5pPr>
+                <a:lvl6pPr marL="2286000" algn="l" defTabSz="914400" rtl="0" eaLnBrk="1" latinLnBrk="0" hangingPunct="1">
+                  <a:defRPr sz="1800" kern="1200">
+                    <a:solidFill>
+                      <a:schemeClr val="tx1"/>
+                    </a:solidFill>
+                    <a:latin typeface="+mn-lt"/>
+                    <a:ea typeface="+mn-ea"/>
+                    <a:cs typeface="+mn-cs"/>
+                  </a:defRPr>
+                </a:lvl6pPr>
+                <a:lvl7pPr marL="2743200" algn="l" defTabSz="914400" rtl="0" eaLnBrk="1" latinLnBrk="0" hangingPunct="1">
+                  <a:defRPr sz="1800" kern="1200">
+                    <a:solidFill>
+                      <a:schemeClr val="tx1"/>
+                    </a:solidFill>
+                    <a:latin typeface="+mn-lt"/>
+                    <a:ea typeface="+mn-ea"/>
+                    <a:cs typeface="+mn-cs"/>
+                  </a:defRPr>
+                </a:lvl7pPr>
+                <a:lvl8pPr marL="3200400" algn="l" defTabSz="914400" rtl="0" eaLnBrk="1" latinLnBrk="0" hangingPunct="1">
+                  <a:defRPr sz="1800" kern="1200">
+                    <a:solidFill>
+                      <a:schemeClr val="tx1"/>
+                    </a:solidFill>
+                    <a:latin typeface="+mn-lt"/>
+                    <a:ea typeface="+mn-ea"/>
+                    <a:cs typeface="+mn-cs"/>
+                  </a:defRPr>
+                </a:lvl8pPr>
+                <a:lvl9pPr marL="3657600" algn="l" defTabSz="914400" rtl="0" eaLnBrk="1" latinLnBrk="0" hangingPunct="1">
+                  <a:defRPr sz="1800" kern="1200">
+                    <a:solidFill>
+                      <a:schemeClr val="tx1"/>
+                    </a:solidFill>
+                    <a:latin typeface="+mn-lt"/>
+                    <a:ea typeface="+mn-ea"/>
+                    <a:cs typeface="+mn-cs"/>
+                  </a:defRPr>
+                </a:lvl9pPr>
+              </a:lstStyle>
               <a:p>
-                <a:pPr algn="ctr"/>
+                <a:r>
+                  <a:rPr lang="en-US" sz="1100" dirty="0">
+                    <a:latin typeface="Consolas" panose="020B0609020204030204" pitchFamily="49" charset="0"/>
+                  </a:rPr>
+                  <a:t>#Reflection </a:t>
+                </a:r>
                 <a14:m>
                   <m:oMath xmlns:m="http://schemas.openxmlformats.org/officeDocument/2006/math">
                     <m:r>
-                      <a:rPr lang="en-US" b="0" i="1" smtClean="0">
-                        <a:solidFill>
-                          <a:schemeClr val="tx1"/>
-                        </a:solidFill>
+                      <a:rPr lang="en-US" sz="1100" i="1" dirty="0" smtClean="0">
                         <a:latin typeface="Cambria Math" panose="02040503050406030204" pitchFamily="18" charset="0"/>
                       </a:rPr>
-                      <m:t>𝑧</m:t>
+                      <m:t>𝑃𝑟</m:t>
+                    </m:r>
+                    <m:r>
+                      <a:rPr lang="en-US" sz="1100" i="1" dirty="0" smtClean="0">
+                        <a:latin typeface="Cambria Math" panose="02040503050406030204" pitchFamily="18" charset="0"/>
+                      </a:rPr>
+                      <m:t>⁡_</m:t>
+                    </m:r>
+                    <m:r>
+                      <a:rPr lang="en-US" sz="1100" i="1" dirty="0" smtClean="0">
+                        <a:latin typeface="Cambria Math" panose="02040503050406030204" pitchFamily="18" charset="0"/>
+                      </a:rPr>
+                      <m:t>𝑥</m:t>
                     </m:r>
                   </m:oMath>
                 </a14:m>
+                <a:endParaRPr lang="en-US" sz="1100" i="1" dirty="0">
+                  <a:latin typeface="Cambria Math" panose="02040503050406030204" pitchFamily="18" charset="0"/>
+                </a:endParaRPr>
+              </a:p>
+              <a:p>
                 <a:r>
-                  <a:rPr lang="en-US" dirty="0">
-                    <a:solidFill>
-                      <a:schemeClr val="tx1"/>
-                    </a:solidFill>
-                  </a:rPr>
-                  <a:t> </a:t>
-                </a:r>
-                <a:r>
-                  <a:rPr lang="en-US" dirty="0">
-                    <a:solidFill>
-                      <a:schemeClr val="tx1"/>
-                    </a:solidFill>
+                  <a:rPr lang="en-US" sz="1100" dirty="0">
                     <a:latin typeface="Consolas" panose="020B0609020204030204" pitchFamily="49" charset="0"/>
                   </a:rPr>
-                  <a:t>float</a:t>
+                  <a:t>        16 bytes complex&lt;double&gt;</a:t>
                 </a:r>
-                <a:endParaRPr lang="en-US" dirty="0">
-                  <a:solidFill>
-                    <a:schemeClr val="tx1"/>
-                  </a:solidFill>
-                </a:endParaRPr>
               </a:p>
             </p:txBody>
           </p:sp>
         </mc:Choice>
-        <mc:Fallback xmlns="">
+        <mc:Fallback>
           <p:sp>
             <p:nvSpPr>
-              <p:cNvPr id="61" name="Rectangle 60"/>
-              <p:cNvSpPr>
+              <p:cNvPr id="70" name="TextBox 63">
+                <a:extLst>
+                  <a:ext uri="{FF2B5EF4-FFF2-40B4-BE49-F238E27FC236}">
+                    <a16:creationId xmlns:a16="http://schemas.microsoft.com/office/drawing/2014/main" id="{70E29E7D-008E-4174-A990-B94AA3393C48}"/>
+                  </a:ext>
+                </a:extLst>
+              </p:cNvPr>
+              <p:cNvSpPr txBox="1">
                 <a:spLocks noRot="1" noChangeAspect="1" noMove="1" noResize="1" noEditPoints="1" noAdjustHandles="1" noChangeArrowheads="1" noChangeShapeType="1" noTextEdit="1"/>
               </p:cNvSpPr>
               <p:nvPr/>
             </p:nvSpPr>
             <p:spPr>
               <a:xfrm>
-                <a:off x="10811097" y="1934684"/>
-                <a:ext cx="1337359" cy="349979"/>
+                <a:off x="7958057" y="4561371"/>
+                <a:ext cx="2915111" cy="430887"/>
               </a:xfrm>
               <a:prstGeom prst="rect">
                 <a:avLst/>
               </a:prstGeom>
               <a:blipFill>
-                <a:blip r:embed="rId15"/>
+                <a:blip r:embed="rId11"/>
                 <a:stretch>
-                  <a:fillRect t="-8333" b="-26667"/>
+                  <a:fillRect b="-8451"/>
                 </a:stretch>
               </a:blipFill>
-              <a:ln>
-                <a:solidFill>
-                  <a:schemeClr val="accent6">
-                    <a:lumMod val="50000"/>
-                  </a:schemeClr>
-                </a:solidFill>
-                <a:prstDash val="solid"/>
-              </a:ln>
             </p:spPr>
             <p:txBody>
               <a:bodyPr/>
@@ -5474,198 +5120,414 @@
           </p:sp>
         </mc:Fallback>
       </mc:AlternateContent>
-      <p:cxnSp>
-        <p:nvCxnSpPr>
-          <p:cNvPr id="65" name="Elbow Connector 64"/>
-          <p:cNvCxnSpPr>
-            <a:cxnSpLocks/>
-            <a:stCxn id="58" idx="3"/>
-            <a:endCxn id="60" idx="1"/>
-          </p:cNvCxnSpPr>
-          <p:nvPr/>
-        </p:nvCxnSpPr>
-        <p:spPr>
-          <a:xfrm flipV="1">
-            <a:off x="10450794" y="1759696"/>
-            <a:ext cx="360304" cy="174988"/>
-          </a:xfrm>
-          <a:prstGeom prst="bentConnector3">
-            <a:avLst/>
-          </a:prstGeom>
-          <a:ln w="38100">
-            <a:solidFill>
-              <a:schemeClr val="tx1"/>
-            </a:solidFill>
-            <a:tailEnd type="triangle"/>
-          </a:ln>
-        </p:spPr>
-        <p:style>
-          <a:lnRef idx="1">
-            <a:schemeClr val="accent1"/>
-          </a:lnRef>
-          <a:fillRef idx="0">
-            <a:schemeClr val="accent1"/>
-          </a:fillRef>
-          <a:effectRef idx="0">
-            <a:schemeClr val="accent1"/>
-          </a:effectRef>
-          <a:fontRef idx="minor">
-            <a:schemeClr val="tx1"/>
-          </a:fontRef>
-        </p:style>
-      </p:cxnSp>
-      <p:sp>
-        <p:nvSpPr>
-          <p:cNvPr id="67" name="TextBox 66"/>
-          <p:cNvSpPr txBox="1"/>
-          <p:nvPr/>
-        </p:nvSpPr>
-        <p:spPr>
-          <a:xfrm>
-            <a:off x="11140838" y="899776"/>
-            <a:ext cx="677878" cy="369332"/>
-          </a:xfrm>
-          <a:prstGeom prst="rect">
-            <a:avLst/>
-          </a:prstGeom>
-          <a:noFill/>
-        </p:spPr>
-        <p:txBody>
-          <a:bodyPr wrap="none" rtlCol="0">
-            <a:spAutoFit/>
-          </a:bodyPr>
-          <a:lstStyle/>
-          <a:p>
-            <a:pPr algn="ctr"/>
-            <a:r>
-              <a:rPr lang="en-US" dirty="0"/>
-              <a:t>point</a:t>
-            </a:r>
-          </a:p>
-        </p:txBody>
-      </p:sp>
-      <mc:AlternateContent xmlns:mc="http://schemas.openxmlformats.org/markup-compatibility/2006" xmlns:a14="http://schemas.microsoft.com/office/drawing/2010/main">
-        <mc:Choice Requires="a14">
+      <mc:AlternateContent xmlns:mc="http://schemas.openxmlformats.org/markup-compatibility/2006">
+        <mc:Choice xmlns:a14="http://schemas.microsoft.com/office/drawing/2010/main" Requires="a14">
           <p:sp>
             <p:nvSpPr>
-              <p:cNvPr id="68" name="Rectangle 67"/>
-              <p:cNvSpPr/>
+              <p:cNvPr id="71" name="TextBox 63">
+                <a:extLst>
+                  <a:ext uri="{FF2B5EF4-FFF2-40B4-BE49-F238E27FC236}">
+                    <a16:creationId xmlns:a16="http://schemas.microsoft.com/office/drawing/2014/main" id="{70E29E7D-008E-4174-A990-B94AA3393C48}"/>
+                  </a:ext>
+                </a:extLst>
+              </p:cNvPr>
+              <p:cNvSpPr txBox="1"/>
               <p:nvPr/>
             </p:nvSpPr>
             <p:spPr>
               <a:xfrm>
-                <a:off x="10811096" y="2276309"/>
-                <a:ext cx="1337359" cy="349979"/>
+                <a:off x="7958057" y="5237815"/>
+                <a:ext cx="2915111" cy="430887"/>
               </a:xfrm>
               <a:prstGeom prst="rect">
                 <a:avLst/>
               </a:prstGeom>
-              <a:solidFill>
-                <a:schemeClr val="accent6">
-                  <a:lumMod val="20000"/>
-                  <a:lumOff val="80000"/>
-                </a:schemeClr>
-              </a:solidFill>
-              <a:ln>
-                <a:solidFill>
-                  <a:schemeClr val="accent6">
-                    <a:lumMod val="50000"/>
-                  </a:schemeClr>
-                </a:solidFill>
-                <a:prstDash val="solid"/>
-              </a:ln>
+              <a:noFill/>
             </p:spPr>
-            <p:style>
-              <a:lnRef idx="2">
-                <a:schemeClr val="accent1">
-                  <a:shade val="50000"/>
-                </a:schemeClr>
-              </a:lnRef>
-              <a:fillRef idx="1">
-                <a:schemeClr val="accent1"/>
-              </a:fillRef>
-              <a:effectRef idx="0">
-                <a:schemeClr val="accent1"/>
-              </a:effectRef>
-              <a:fontRef idx="minor">
-                <a:schemeClr val="lt1"/>
-              </a:fontRef>
-            </p:style>
             <p:txBody>
-              <a:bodyPr rtlCol="0" anchor="ctr"/>
-              <a:lstStyle/>
+              <a:bodyPr wrap="square">
+                <a:spAutoFit/>
+              </a:bodyPr>
+              <a:lstStyle>
+                <a:defPPr>
+                  <a:defRPr lang="en-US"/>
+                </a:defPPr>
+                <a:lvl1pPr marL="0" algn="l" defTabSz="914400" rtl="0" eaLnBrk="1" latinLnBrk="0" hangingPunct="1">
+                  <a:defRPr sz="1800" kern="1200">
+                    <a:solidFill>
+                      <a:schemeClr val="tx1"/>
+                    </a:solidFill>
+                    <a:latin typeface="+mn-lt"/>
+                    <a:ea typeface="+mn-ea"/>
+                    <a:cs typeface="+mn-cs"/>
+                  </a:defRPr>
+                </a:lvl1pPr>
+                <a:lvl2pPr marL="457200" algn="l" defTabSz="914400" rtl="0" eaLnBrk="1" latinLnBrk="0" hangingPunct="1">
+                  <a:defRPr sz="1800" kern="1200">
+                    <a:solidFill>
+                      <a:schemeClr val="tx1"/>
+                    </a:solidFill>
+                    <a:latin typeface="+mn-lt"/>
+                    <a:ea typeface="+mn-ea"/>
+                    <a:cs typeface="+mn-cs"/>
+                  </a:defRPr>
+                </a:lvl2pPr>
+                <a:lvl3pPr marL="914400" algn="l" defTabSz="914400" rtl="0" eaLnBrk="1" latinLnBrk="0" hangingPunct="1">
+                  <a:defRPr sz="1800" kern="1200">
+                    <a:solidFill>
+                      <a:schemeClr val="tx1"/>
+                    </a:solidFill>
+                    <a:latin typeface="+mn-lt"/>
+                    <a:ea typeface="+mn-ea"/>
+                    <a:cs typeface="+mn-cs"/>
+                  </a:defRPr>
+                </a:lvl3pPr>
+                <a:lvl4pPr marL="1371600" algn="l" defTabSz="914400" rtl="0" eaLnBrk="1" latinLnBrk="0" hangingPunct="1">
+                  <a:defRPr sz="1800" kern="1200">
+                    <a:solidFill>
+                      <a:schemeClr val="tx1"/>
+                    </a:solidFill>
+                    <a:latin typeface="+mn-lt"/>
+                    <a:ea typeface="+mn-ea"/>
+                    <a:cs typeface="+mn-cs"/>
+                  </a:defRPr>
+                </a:lvl4pPr>
+                <a:lvl5pPr marL="1828800" algn="l" defTabSz="914400" rtl="0" eaLnBrk="1" latinLnBrk="0" hangingPunct="1">
+                  <a:defRPr sz="1800" kern="1200">
+                    <a:solidFill>
+                      <a:schemeClr val="tx1"/>
+                    </a:solidFill>
+                    <a:latin typeface="+mn-lt"/>
+                    <a:ea typeface="+mn-ea"/>
+                    <a:cs typeface="+mn-cs"/>
+                  </a:defRPr>
+                </a:lvl5pPr>
+                <a:lvl6pPr marL="2286000" algn="l" defTabSz="914400" rtl="0" eaLnBrk="1" latinLnBrk="0" hangingPunct="1">
+                  <a:defRPr sz="1800" kern="1200">
+                    <a:solidFill>
+                      <a:schemeClr val="tx1"/>
+                    </a:solidFill>
+                    <a:latin typeface="+mn-lt"/>
+                    <a:ea typeface="+mn-ea"/>
+                    <a:cs typeface="+mn-cs"/>
+                  </a:defRPr>
+                </a:lvl6pPr>
+                <a:lvl7pPr marL="2743200" algn="l" defTabSz="914400" rtl="0" eaLnBrk="1" latinLnBrk="0" hangingPunct="1">
+                  <a:defRPr sz="1800" kern="1200">
+                    <a:solidFill>
+                      <a:schemeClr val="tx1"/>
+                    </a:solidFill>
+                    <a:latin typeface="+mn-lt"/>
+                    <a:ea typeface="+mn-ea"/>
+                    <a:cs typeface="+mn-cs"/>
+                  </a:defRPr>
+                </a:lvl7pPr>
+                <a:lvl8pPr marL="3200400" algn="l" defTabSz="914400" rtl="0" eaLnBrk="1" latinLnBrk="0" hangingPunct="1">
+                  <a:defRPr sz="1800" kern="1200">
+                    <a:solidFill>
+                      <a:schemeClr val="tx1"/>
+                    </a:solidFill>
+                    <a:latin typeface="+mn-lt"/>
+                    <a:ea typeface="+mn-ea"/>
+                    <a:cs typeface="+mn-cs"/>
+                  </a:defRPr>
+                </a:lvl8pPr>
+                <a:lvl9pPr marL="3657600" algn="l" defTabSz="914400" rtl="0" eaLnBrk="1" latinLnBrk="0" hangingPunct="1">
+                  <a:defRPr sz="1800" kern="1200">
+                    <a:solidFill>
+                      <a:schemeClr val="tx1"/>
+                    </a:solidFill>
+                    <a:latin typeface="+mn-lt"/>
+                    <a:ea typeface="+mn-ea"/>
+                    <a:cs typeface="+mn-cs"/>
+                  </a:defRPr>
+                </a:lvl9pPr>
+              </a:lstStyle>
               <a:p>
-                <a:pPr algn="ctr"/>
+                <a:r>
+                  <a:rPr lang="en-US" sz="1100" dirty="0">
+                    <a:latin typeface="Consolas" panose="020B0609020204030204" pitchFamily="49" charset="0"/>
+                  </a:rPr>
+                  <a:t>#Reflection </a:t>
+                </a:r>
                 <a14:m>
                   <m:oMath xmlns:m="http://schemas.openxmlformats.org/officeDocument/2006/math">
                     <m:r>
-                      <a:rPr lang="en-US" b="0" i="1" smtClean="0">
-                        <a:solidFill>
-                          <a:schemeClr val="tx1"/>
-                        </a:solidFill>
+                      <a:rPr lang="en-US" sz="1100" i="1" dirty="0" smtClean="0">
                         <a:latin typeface="Cambria Math" panose="02040503050406030204" pitchFamily="18" charset="0"/>
                       </a:rPr>
-                      <m:t>𝑟</m:t>
+                      <m:t>𝑃𝑟</m:t>
+                    </m:r>
+                    <m:r>
+                      <a:rPr lang="en-US" sz="1100" i="1" dirty="0" smtClean="0">
+                        <a:latin typeface="Cambria Math" panose="02040503050406030204" pitchFamily="18" charset="0"/>
+                      </a:rPr>
+                      <m:t>⁡_</m:t>
+                    </m:r>
+                    <m:r>
+                      <a:rPr lang="en-US" sz="1100" i="1" dirty="0" smtClean="0">
+                        <a:latin typeface="Cambria Math" panose="02040503050406030204" pitchFamily="18" charset="0"/>
+                      </a:rPr>
+                      <m:t>𝑦</m:t>
                     </m:r>
                   </m:oMath>
                 </a14:m>
+                <a:endParaRPr lang="en-US" sz="1100" i="1" dirty="0">
+                  <a:latin typeface="Cambria Math" panose="02040503050406030204" pitchFamily="18" charset="0"/>
+                </a:endParaRPr>
+              </a:p>
+              <a:p>
                 <a:r>
-                  <a:rPr lang="en-US" dirty="0">
-                    <a:solidFill>
-                      <a:schemeClr val="tx1"/>
-                    </a:solidFill>
-                  </a:rPr>
-                  <a:t> </a:t>
-                </a:r>
-                <a:r>
-                  <a:rPr lang="en-US" dirty="0">
-                    <a:solidFill>
-                      <a:schemeClr val="tx1"/>
-                    </a:solidFill>
+                  <a:rPr lang="en-US" sz="1100" dirty="0">
                     <a:latin typeface="Consolas" panose="020B0609020204030204" pitchFamily="49" charset="0"/>
                   </a:rPr>
-                  <a:t>float</a:t>
+                  <a:t>        16 bytes complex&lt;double&gt;</a:t>
                 </a:r>
-                <a:endParaRPr lang="en-US" dirty="0">
-                  <a:solidFill>
-                    <a:schemeClr val="tx1"/>
-                  </a:solidFill>
-                </a:endParaRPr>
               </a:p>
             </p:txBody>
           </p:sp>
         </mc:Choice>
-        <mc:Fallback xmlns="">
+        <mc:Fallback>
           <p:sp>
             <p:nvSpPr>
-              <p:cNvPr id="68" name="Rectangle 67"/>
-              <p:cNvSpPr>
+              <p:cNvPr id="71" name="TextBox 63">
+                <a:extLst>
+                  <a:ext uri="{FF2B5EF4-FFF2-40B4-BE49-F238E27FC236}">
+                    <a16:creationId xmlns:a16="http://schemas.microsoft.com/office/drawing/2014/main" id="{70E29E7D-008E-4174-A990-B94AA3393C48}"/>
+                  </a:ext>
+                </a:extLst>
+              </p:cNvPr>
+              <p:cNvSpPr txBox="1">
                 <a:spLocks noRot="1" noChangeAspect="1" noMove="1" noResize="1" noEditPoints="1" noAdjustHandles="1" noChangeArrowheads="1" noChangeShapeType="1" noTextEdit="1"/>
               </p:cNvSpPr>
               <p:nvPr/>
             </p:nvSpPr>
             <p:spPr>
               <a:xfrm>
-                <a:off x="10811096" y="2276309"/>
-                <a:ext cx="1337359" cy="349979"/>
+                <a:off x="7958057" y="5237815"/>
+                <a:ext cx="2915111" cy="430887"/>
               </a:xfrm>
               <a:prstGeom prst="rect">
                 <a:avLst/>
               </a:prstGeom>
               <a:blipFill>
-                <a:blip r:embed="rId16"/>
+                <a:blip r:embed="rId12"/>
                 <a:stretch>
-                  <a:fillRect t="-8333" b="-26667"/>
+                  <a:fillRect b="-8451"/>
                 </a:stretch>
               </a:blipFill>
-              <a:ln>
-                <a:solidFill>
-                  <a:schemeClr val="accent6">
-                    <a:lumMod val="50000"/>
-                  </a:schemeClr>
-                </a:solidFill>
-                <a:prstDash val="solid"/>
-              </a:ln>
+            </p:spPr>
+            <p:txBody>
+              <a:bodyPr/>
+              <a:lstStyle/>
+              <a:p>
+                <a:r>
+                  <a:rPr lang="en-US">
+                    <a:noFill/>
+                  </a:rPr>
+                  <a:t> </a:t>
+                </a:r>
+              </a:p>
+            </p:txBody>
+          </p:sp>
+        </mc:Fallback>
+      </mc:AlternateContent>
+      <mc:AlternateContent xmlns:mc="http://schemas.openxmlformats.org/markup-compatibility/2006">
+        <mc:Choice xmlns:a14="http://schemas.microsoft.com/office/drawing/2010/main" Requires="a14">
+          <p:sp>
+            <p:nvSpPr>
+              <p:cNvPr id="73" name="TextBox 63">
+                <a:extLst>
+                  <a:ext uri="{FF2B5EF4-FFF2-40B4-BE49-F238E27FC236}">
+                    <a16:creationId xmlns:a16="http://schemas.microsoft.com/office/drawing/2014/main" id="{70E29E7D-008E-4174-A990-B94AA3393C48}"/>
+                  </a:ext>
+                </a:extLst>
+              </p:cNvPr>
+              <p:cNvSpPr txBox="1"/>
+              <p:nvPr/>
+            </p:nvSpPr>
+            <p:spPr>
+              <a:xfrm>
+                <a:off x="7958057" y="5904793"/>
+                <a:ext cx="2915111" cy="430887"/>
+              </a:xfrm>
+              <a:prstGeom prst="rect">
+                <a:avLst/>
+              </a:prstGeom>
+              <a:noFill/>
+            </p:spPr>
+            <p:txBody>
+              <a:bodyPr wrap="square">
+                <a:spAutoFit/>
+              </a:bodyPr>
+              <a:lstStyle>
+                <a:defPPr>
+                  <a:defRPr lang="en-US"/>
+                </a:defPPr>
+                <a:lvl1pPr marL="0" algn="l" defTabSz="914400" rtl="0" eaLnBrk="1" latinLnBrk="0" hangingPunct="1">
+                  <a:defRPr sz="1800" kern="1200">
+                    <a:solidFill>
+                      <a:schemeClr val="tx1"/>
+                    </a:solidFill>
+                    <a:latin typeface="+mn-lt"/>
+                    <a:ea typeface="+mn-ea"/>
+                    <a:cs typeface="+mn-cs"/>
+                  </a:defRPr>
+                </a:lvl1pPr>
+                <a:lvl2pPr marL="457200" algn="l" defTabSz="914400" rtl="0" eaLnBrk="1" latinLnBrk="0" hangingPunct="1">
+                  <a:defRPr sz="1800" kern="1200">
+                    <a:solidFill>
+                      <a:schemeClr val="tx1"/>
+                    </a:solidFill>
+                    <a:latin typeface="+mn-lt"/>
+                    <a:ea typeface="+mn-ea"/>
+                    <a:cs typeface="+mn-cs"/>
+                  </a:defRPr>
+                </a:lvl2pPr>
+                <a:lvl3pPr marL="914400" algn="l" defTabSz="914400" rtl="0" eaLnBrk="1" latinLnBrk="0" hangingPunct="1">
+                  <a:defRPr sz="1800" kern="1200">
+                    <a:solidFill>
+                      <a:schemeClr val="tx1"/>
+                    </a:solidFill>
+                    <a:latin typeface="+mn-lt"/>
+                    <a:ea typeface="+mn-ea"/>
+                    <a:cs typeface="+mn-cs"/>
+                  </a:defRPr>
+                </a:lvl3pPr>
+                <a:lvl4pPr marL="1371600" algn="l" defTabSz="914400" rtl="0" eaLnBrk="1" latinLnBrk="0" hangingPunct="1">
+                  <a:defRPr sz="1800" kern="1200">
+                    <a:solidFill>
+                      <a:schemeClr val="tx1"/>
+                    </a:solidFill>
+                    <a:latin typeface="+mn-lt"/>
+                    <a:ea typeface="+mn-ea"/>
+                    <a:cs typeface="+mn-cs"/>
+                  </a:defRPr>
+                </a:lvl4pPr>
+                <a:lvl5pPr marL="1828800" algn="l" defTabSz="914400" rtl="0" eaLnBrk="1" latinLnBrk="0" hangingPunct="1">
+                  <a:defRPr sz="1800" kern="1200">
+                    <a:solidFill>
+                      <a:schemeClr val="tx1"/>
+                    </a:solidFill>
+                    <a:latin typeface="+mn-lt"/>
+                    <a:ea typeface="+mn-ea"/>
+                    <a:cs typeface="+mn-cs"/>
+                  </a:defRPr>
+                </a:lvl5pPr>
+                <a:lvl6pPr marL="2286000" algn="l" defTabSz="914400" rtl="0" eaLnBrk="1" latinLnBrk="0" hangingPunct="1">
+                  <a:defRPr sz="1800" kern="1200">
+                    <a:solidFill>
+                      <a:schemeClr val="tx1"/>
+                    </a:solidFill>
+                    <a:latin typeface="+mn-lt"/>
+                    <a:ea typeface="+mn-ea"/>
+                    <a:cs typeface="+mn-cs"/>
+                  </a:defRPr>
+                </a:lvl6pPr>
+                <a:lvl7pPr marL="2743200" algn="l" defTabSz="914400" rtl="0" eaLnBrk="1" latinLnBrk="0" hangingPunct="1">
+                  <a:defRPr sz="1800" kern="1200">
+                    <a:solidFill>
+                      <a:schemeClr val="tx1"/>
+                    </a:solidFill>
+                    <a:latin typeface="+mn-lt"/>
+                    <a:ea typeface="+mn-ea"/>
+                    <a:cs typeface="+mn-cs"/>
+                  </a:defRPr>
+                </a:lvl7pPr>
+                <a:lvl8pPr marL="3200400" algn="l" defTabSz="914400" rtl="0" eaLnBrk="1" latinLnBrk="0" hangingPunct="1">
+                  <a:defRPr sz="1800" kern="1200">
+                    <a:solidFill>
+                      <a:schemeClr val="tx1"/>
+                    </a:solidFill>
+                    <a:latin typeface="+mn-lt"/>
+                    <a:ea typeface="+mn-ea"/>
+                    <a:cs typeface="+mn-cs"/>
+                  </a:defRPr>
+                </a:lvl8pPr>
+                <a:lvl9pPr marL="3657600" algn="l" defTabSz="914400" rtl="0" eaLnBrk="1" latinLnBrk="0" hangingPunct="1">
+                  <a:defRPr sz="1800" kern="1200">
+                    <a:solidFill>
+                      <a:schemeClr val="tx1"/>
+                    </a:solidFill>
+                    <a:latin typeface="+mn-lt"/>
+                    <a:ea typeface="+mn-ea"/>
+                    <a:cs typeface="+mn-cs"/>
+                  </a:defRPr>
+                </a:lvl9pPr>
+              </a:lstStyle>
+              <a:p>
+                <a:r>
+                  <a:rPr lang="en-US" sz="1100" dirty="0">
+                    <a:latin typeface="Consolas" panose="020B0609020204030204" pitchFamily="49" charset="0"/>
+                  </a:rPr>
+                  <a:t>#Reflection </a:t>
+                </a:r>
+                <a14:m>
+                  <m:oMath xmlns:m="http://schemas.openxmlformats.org/officeDocument/2006/math">
+                    <m:r>
+                      <a:rPr lang="en-US" sz="1100" i="1" dirty="0" smtClean="0">
+                        <a:latin typeface="Cambria Math" panose="02040503050406030204" pitchFamily="18" charset="0"/>
+                      </a:rPr>
+                      <m:t>𝑃𝑟</m:t>
+                    </m:r>
+                    <m:r>
+                      <a:rPr lang="en-US" sz="1100" i="1" dirty="0" smtClean="0">
+                        <a:latin typeface="Cambria Math" panose="02040503050406030204" pitchFamily="18" charset="0"/>
+                      </a:rPr>
+                      <m:t>⁡_</m:t>
+                    </m:r>
+                    <m:r>
+                      <a:rPr lang="en-US" sz="1100" i="1" dirty="0" smtClean="0">
+                        <a:latin typeface="Cambria Math" panose="02040503050406030204" pitchFamily="18" charset="0"/>
+                      </a:rPr>
+                      <m:t>𝑧</m:t>
+                    </m:r>
+                  </m:oMath>
+                </a14:m>
+                <a:endParaRPr lang="en-US" sz="1100" i="1" dirty="0">
+                  <a:latin typeface="Cambria Math" panose="02040503050406030204" pitchFamily="18" charset="0"/>
+                </a:endParaRPr>
+              </a:p>
+              <a:p>
+                <a:r>
+                  <a:rPr lang="en-US" sz="1100" dirty="0">
+                    <a:latin typeface="Consolas" panose="020B0609020204030204" pitchFamily="49" charset="0"/>
+                  </a:rPr>
+                  <a:t>        16 bytes complex&lt;double&gt;</a:t>
+                </a:r>
+              </a:p>
+            </p:txBody>
+          </p:sp>
+        </mc:Choice>
+        <mc:Fallback>
+          <p:sp>
+            <p:nvSpPr>
+              <p:cNvPr id="73" name="TextBox 63">
+                <a:extLst>
+                  <a:ext uri="{FF2B5EF4-FFF2-40B4-BE49-F238E27FC236}">
+                    <a16:creationId xmlns:a16="http://schemas.microsoft.com/office/drawing/2014/main" id="{70E29E7D-008E-4174-A990-B94AA3393C48}"/>
+                  </a:ext>
+                </a:extLst>
+              </p:cNvPr>
+              <p:cNvSpPr txBox="1">
+                <a:spLocks noRot="1" noChangeAspect="1" noMove="1" noResize="1" noEditPoints="1" noAdjustHandles="1" noChangeArrowheads="1" noChangeShapeType="1" noTextEdit="1"/>
+              </p:cNvSpPr>
+              <p:nvPr/>
+            </p:nvSpPr>
+            <p:spPr>
+              <a:xfrm>
+                <a:off x="7958057" y="5904793"/>
+                <a:ext cx="2915111" cy="430887"/>
+              </a:xfrm>
+              <a:prstGeom prst="rect">
+                <a:avLst/>
+              </a:prstGeom>
+              <a:blipFill>
+                <a:blip r:embed="rId13"/>
+                <a:stretch>
+                  <a:fillRect b="-10000"/>
+                </a:stretch>
+              </a:blipFill>
             </p:spPr>
             <p:txBody>
               <a:bodyPr/>
